--- a/Barry-Lab-Poster-Portrait-Black.pptx
+++ b/Barry-Lab-Poster-Portrait-Black.pptx
@@ -6,14 +6,6 @@
   </p:sldMasterIdLst>
   <p:sldIdLst>
     <p:sldId id="256" r:id="rId2"/>
-    <p:sldId id="257" r:id="rId3"/>
-    <p:sldId id="261" r:id="rId4"/>
-    <p:sldId id="258" r:id="rId5"/>
-    <p:sldId id="259" r:id="rId6"/>
-    <p:sldId id="260" r:id="rId7"/>
-    <p:sldId id="262" r:id="rId8"/>
-    <p:sldId id="263" r:id="rId9"/>
-    <p:sldId id="264" r:id="rId10"/>
   </p:sldIdLst>
   <p:sldSz cx="30275213" cy="42803763"/>
   <p:notesSz cx="6858000" cy="9144000"/>
@@ -5288,7 +5280,7 @@
                 <a16:creationId xmlns:a16="http://schemas.microsoft.com/office/drawing/2014/main" id="{002E5FBB-FB53-4B43-925B-1900D8F85C2B}"/>
               </a:ext>
               <a:ext uri="{C183D7F6-B498-43B3-948B-1728B52AA6E4}">
-                <adec:decorative xmlns:adec="http://schemas.microsoft.com/office/drawing/2017/decorative" val="1"/>
+                <adec:decorative xmlns:adec="http://schemas.microsoft.com/office/drawing/2017/decorative" xmlns="" val="1"/>
               </a:ext>
             </a:extLst>
           </p:cNvPr>
@@ -5384,7 +5376,7 @@
                 <a16:creationId xmlns:a16="http://schemas.microsoft.com/office/drawing/2014/main" id="{AAE1DDCA-E69D-4D9F-9870-6F8562E2A2F8}"/>
               </a:ext>
               <a:ext uri="{C183D7F6-B498-43B3-948B-1728B52AA6E4}">
-                <adec:decorative xmlns:adec="http://schemas.microsoft.com/office/drawing/2017/decorative" val="0"/>
+                <adec:decorative xmlns:adec="http://schemas.microsoft.com/office/drawing/2017/decorative" xmlns="" val="0"/>
               </a:ext>
             </a:extLst>
           </p:cNvPr>
@@ -5881,7 +5873,7 @@
                 <a16:creationId xmlns:a16="http://schemas.microsoft.com/office/drawing/2014/main" id="{002E5FBB-FB53-4B43-925B-1900D8F85C2B}"/>
               </a:ext>
               <a:ext uri="{C183D7F6-B498-43B3-948B-1728B52AA6E4}">
-                <adec:decorative xmlns:adec="http://schemas.microsoft.com/office/drawing/2017/decorative" val="1"/>
+                <adec:decorative xmlns:adec="http://schemas.microsoft.com/office/drawing/2017/decorative" xmlns="" val="1"/>
               </a:ext>
             </a:extLst>
           </p:cNvPr>
@@ -6480,7 +6472,7 @@
           <p:nvPr userDrawn="1"/>
         </p:nvPicPr>
         <p:blipFill>
-          <a:blip r:embed="rId15">
+          <a:blip r:embed="rId15" cstate="print">
             <a:extLst>
               <a:ext uri="{28A0092B-C50C-407E-A947-70E740481C1C}">
                 <a14:useLocalDpi xmlns:a14="http://schemas.microsoft.com/office/drawing/2010/main" val="0"/>
@@ -6602,7 +6594,7 @@
           <p:nvPr userDrawn="1"/>
         </p:nvPicPr>
         <p:blipFill rotWithShape="1">
-          <a:blip r:embed="rId17">
+          <a:blip r:embed="rId17" cstate="print">
             <a:extLst>
               <a:ext uri="{28A0092B-C50C-407E-A947-70E740481C1C}">
                 <a14:useLocalDpi xmlns:a14="http://schemas.microsoft.com/office/drawing/2010/main" val="0"/>
@@ -6647,7 +6639,7 @@
           <p:nvPr userDrawn="1"/>
         </p:nvPicPr>
         <p:blipFill rotWithShape="1">
-          <a:blip r:embed="rId18">
+          <a:blip r:embed="rId18" cstate="print">
             <a:extLst>
               <a:ext uri="{28A0092B-C50C-407E-A947-70E740481C1C}">
                 <a14:useLocalDpi xmlns:a14="http://schemas.microsoft.com/office/drawing/2010/main" val="0"/>
@@ -7046,13 +7038,18 @@
           <a:lstStyle/>
           <a:p>
             <a:r>
-              <a:rPr lang="en-GB" sz="10100" dirty="0">
-                <a:solidFill>
-                  <a:schemeClr val="bg1"/>
+              <a:rPr lang="en-GB" sz="7200" b="1" dirty="0">
+                <a:solidFill>
+                  <a:srgbClr val="FFFFFF"/>
                 </a:solidFill>
               </a:rPr>
-              <a:t>Title title title</a:t>
-            </a:r>
+              <a:t>Transformer Learns HPC – LS Neural Circuit</a:t>
+            </a:r>
+            <a:endParaRPr lang="en-GB" sz="10100" dirty="0">
+              <a:solidFill>
+                <a:schemeClr val="bg1"/>
+              </a:solidFill>
+            </a:endParaRPr>
           </a:p>
         </p:txBody>
       </p:sp>
@@ -7232,1714 +7229,1578 @@
           </a:p>
         </p:txBody>
       </p:sp>
+      <p:sp>
+        <p:nvSpPr>
+          <p:cNvPr id="7" name="Content Placeholder 6" descr="Box 1"/>
+          <p:cNvSpPr txBox="1">
+            <a:spLocks/>
+          </p:cNvSpPr>
+          <p:nvPr/>
+        </p:nvSpPr>
+        <p:spPr>
+          <a:xfrm>
+            <a:off x="1111250" y="6280150"/>
+            <a:ext cx="28084463" cy="4743450"/>
+          </a:xfrm>
+          <a:prstGeom prst="rect">
+            <a:avLst/>
+          </a:prstGeom>
+          <a:solidFill>
+            <a:schemeClr val="bg1"/>
+          </a:solidFill>
+        </p:spPr>
+        <p:txBody>
+          <a:bodyPr/>
+          <a:lstStyle>
+            <a:lvl1pPr marL="756872" indent="-756872" algn="l" defTabSz="3027487" rtl="0" eaLnBrk="1" latinLnBrk="0" hangingPunct="1">
+              <a:lnSpc>
+                <a:spcPct val="90000"/>
+              </a:lnSpc>
+              <a:spcBef>
+                <a:spcPts val="3311"/>
+              </a:spcBef>
+              <a:buFont typeface="Arial" panose="020B0604020202020204" pitchFamily="34" charset="0"/>
+              <a:buChar char="•"/>
+              <a:defRPr sz="9271" kern="1200">
+                <a:solidFill>
+                  <a:schemeClr val="tx1"/>
+                </a:solidFill>
+                <a:latin typeface="+mn-lt"/>
+                <a:ea typeface="+mn-ea"/>
+                <a:cs typeface="+mn-cs"/>
+              </a:defRPr>
+            </a:lvl1pPr>
+            <a:lvl2pPr marL="2270615" indent="-756872" algn="l" defTabSz="3027487" rtl="0" eaLnBrk="1" latinLnBrk="0" hangingPunct="1">
+              <a:lnSpc>
+                <a:spcPct val="90000"/>
+              </a:lnSpc>
+              <a:spcBef>
+                <a:spcPts val="1655"/>
+              </a:spcBef>
+              <a:buFont typeface="Arial" panose="020B0604020202020204" pitchFamily="34" charset="0"/>
+              <a:buChar char="•"/>
+              <a:defRPr sz="7946" kern="1200">
+                <a:solidFill>
+                  <a:schemeClr val="tx1"/>
+                </a:solidFill>
+                <a:latin typeface="+mn-lt"/>
+                <a:ea typeface="+mn-ea"/>
+                <a:cs typeface="+mn-cs"/>
+              </a:defRPr>
+            </a:lvl2pPr>
+            <a:lvl3pPr marL="3784359" indent="-756872" algn="l" defTabSz="3027487" rtl="0" eaLnBrk="1" latinLnBrk="0" hangingPunct="1">
+              <a:lnSpc>
+                <a:spcPct val="90000"/>
+              </a:lnSpc>
+              <a:spcBef>
+                <a:spcPts val="1655"/>
+              </a:spcBef>
+              <a:buFont typeface="Arial" panose="020B0604020202020204" pitchFamily="34" charset="0"/>
+              <a:buChar char="•"/>
+              <a:defRPr sz="6622" kern="1200">
+                <a:solidFill>
+                  <a:schemeClr val="tx1"/>
+                </a:solidFill>
+                <a:latin typeface="+mn-lt"/>
+                <a:ea typeface="+mn-ea"/>
+                <a:cs typeface="+mn-cs"/>
+              </a:defRPr>
+            </a:lvl3pPr>
+            <a:lvl4pPr marL="5298102" indent="-756872" algn="l" defTabSz="3027487" rtl="0" eaLnBrk="1" latinLnBrk="0" hangingPunct="1">
+              <a:lnSpc>
+                <a:spcPct val="90000"/>
+              </a:lnSpc>
+              <a:spcBef>
+                <a:spcPts val="1655"/>
+              </a:spcBef>
+              <a:buFont typeface="Arial" panose="020B0604020202020204" pitchFamily="34" charset="0"/>
+              <a:buChar char="•"/>
+              <a:defRPr sz="5960" kern="1200">
+                <a:solidFill>
+                  <a:schemeClr val="tx1"/>
+                </a:solidFill>
+                <a:latin typeface="+mn-lt"/>
+                <a:ea typeface="+mn-ea"/>
+                <a:cs typeface="+mn-cs"/>
+              </a:defRPr>
+            </a:lvl4pPr>
+            <a:lvl5pPr marL="6811846" indent="-756872" algn="l" defTabSz="3027487" rtl="0" eaLnBrk="1" latinLnBrk="0" hangingPunct="1">
+              <a:lnSpc>
+                <a:spcPct val="90000"/>
+              </a:lnSpc>
+              <a:spcBef>
+                <a:spcPts val="1655"/>
+              </a:spcBef>
+              <a:buFont typeface="Arial" panose="020B0604020202020204" pitchFamily="34" charset="0"/>
+              <a:buChar char="•"/>
+              <a:defRPr sz="5960" kern="1200">
+                <a:solidFill>
+                  <a:schemeClr val="tx1"/>
+                </a:solidFill>
+                <a:latin typeface="+mn-lt"/>
+                <a:ea typeface="+mn-ea"/>
+                <a:cs typeface="+mn-cs"/>
+              </a:defRPr>
+            </a:lvl5pPr>
+            <a:lvl6pPr marL="8325589" indent="-756872" algn="l" defTabSz="3027487" rtl="0" eaLnBrk="1" latinLnBrk="0" hangingPunct="1">
+              <a:lnSpc>
+                <a:spcPct val="90000"/>
+              </a:lnSpc>
+              <a:spcBef>
+                <a:spcPts val="1655"/>
+              </a:spcBef>
+              <a:buFont typeface="Arial" panose="020B0604020202020204" pitchFamily="34" charset="0"/>
+              <a:buChar char="•"/>
+              <a:defRPr sz="5960" kern="1200">
+                <a:solidFill>
+                  <a:schemeClr val="tx1"/>
+                </a:solidFill>
+                <a:latin typeface="+mn-lt"/>
+                <a:ea typeface="+mn-ea"/>
+                <a:cs typeface="+mn-cs"/>
+              </a:defRPr>
+            </a:lvl6pPr>
+            <a:lvl7pPr marL="9839333" indent="-756872" algn="l" defTabSz="3027487" rtl="0" eaLnBrk="1" latinLnBrk="0" hangingPunct="1">
+              <a:lnSpc>
+                <a:spcPct val="90000"/>
+              </a:lnSpc>
+              <a:spcBef>
+                <a:spcPts val="1655"/>
+              </a:spcBef>
+              <a:buFont typeface="Arial" panose="020B0604020202020204" pitchFamily="34" charset="0"/>
+              <a:buChar char="•"/>
+              <a:defRPr sz="5960" kern="1200">
+                <a:solidFill>
+                  <a:schemeClr val="tx1"/>
+                </a:solidFill>
+                <a:latin typeface="+mn-lt"/>
+                <a:ea typeface="+mn-ea"/>
+                <a:cs typeface="+mn-cs"/>
+              </a:defRPr>
+            </a:lvl7pPr>
+            <a:lvl8pPr marL="11353076" indent="-756872" algn="l" defTabSz="3027487" rtl="0" eaLnBrk="1" latinLnBrk="0" hangingPunct="1">
+              <a:lnSpc>
+                <a:spcPct val="90000"/>
+              </a:lnSpc>
+              <a:spcBef>
+                <a:spcPts val="1655"/>
+              </a:spcBef>
+              <a:buFont typeface="Arial" panose="020B0604020202020204" pitchFamily="34" charset="0"/>
+              <a:buChar char="•"/>
+              <a:defRPr sz="5960" kern="1200">
+                <a:solidFill>
+                  <a:schemeClr val="tx1"/>
+                </a:solidFill>
+                <a:latin typeface="+mn-lt"/>
+                <a:ea typeface="+mn-ea"/>
+                <a:cs typeface="+mn-cs"/>
+              </a:defRPr>
+            </a:lvl8pPr>
+            <a:lvl9pPr marL="12866820" indent="-756872" algn="l" defTabSz="3027487" rtl="0" eaLnBrk="1" latinLnBrk="0" hangingPunct="1">
+              <a:lnSpc>
+                <a:spcPct val="90000"/>
+              </a:lnSpc>
+              <a:spcBef>
+                <a:spcPts val="1655"/>
+              </a:spcBef>
+              <a:buFont typeface="Arial" panose="020B0604020202020204" pitchFamily="34" charset="0"/>
+              <a:buChar char="•"/>
+              <a:defRPr sz="5960" kern="1200">
+                <a:solidFill>
+                  <a:schemeClr val="tx1"/>
+                </a:solidFill>
+                <a:latin typeface="+mn-lt"/>
+                <a:ea typeface="+mn-ea"/>
+                <a:cs typeface="+mn-cs"/>
+              </a:defRPr>
+            </a:lvl9pPr>
+          </a:lstStyle>
+          <a:p>
+            <a:pPr marL="0" indent="0">
+              <a:buNone/>
+            </a:pPr>
+            <a:r>
+              <a:rPr lang="en-GB" sz="3600" dirty="0" smtClean="0"/>
+              <a:t>Introduction and Motivation</a:t>
+            </a:r>
+          </a:p>
+          <a:p>
+            <a:pPr marL="0" indent="0">
+              <a:buNone/>
+            </a:pPr>
+            <a:r>
+              <a:rPr lang="en-GB" sz="2800" dirty="0" smtClean="0"/>
+              <a:t>Our brain is an incredibly complicated organ that processes information in a continuous manner. To understand the brain we need to understand the computations performed by neural circuits. One approach is to use observed data to distil the functions that underlie circuits into artificial neural networks. This requires us to have access to the neural data that maps between the input and output neurons of the circuit.</a:t>
+            </a:r>
+          </a:p>
+          <a:p>
+            <a:pPr marL="0" indent="0">
+              <a:buNone/>
+            </a:pPr>
+            <a:r>
+              <a:rPr lang="en-GB" sz="2800" dirty="0" smtClean="0"/>
+              <a:t>To do this, we optically recorded </a:t>
+            </a:r>
+            <a:r>
+              <a:rPr lang="en-GB" sz="2800" dirty="0"/>
+              <a:t>neural </a:t>
+            </a:r>
+            <a:r>
+              <a:rPr lang="en-GB" sz="2800" dirty="0" smtClean="0"/>
+              <a:t>activities as fluorescence signals from the 384 CA1 neurons, and simultaneously recorded spikes activities in the lateral septum using </a:t>
+            </a:r>
+            <a:r>
+              <a:rPr lang="en-GB" sz="2800" dirty="0" err="1" smtClean="0"/>
+              <a:t>Neuropixel</a:t>
+            </a:r>
+            <a:r>
+              <a:rPr lang="en-GB" sz="2800" dirty="0" smtClean="0"/>
+              <a:t> probes. The circuit has been found to mediate spatial memory (CITE SOMETHING). We then trained sets of Transformer network models on the data pairs.</a:t>
+            </a:r>
+          </a:p>
+          <a:p>
+            <a:pPr marL="0" indent="0">
+              <a:buNone/>
+            </a:pPr>
+            <a:r>
+              <a:rPr lang="en-GB" sz="2800" dirty="0" smtClean="0"/>
+              <a:t>Transformer models (CITE SOMETHING) have demonstrated their potentials in high-dimensional sequential models, particularly in large language models (LLMs). Our work found that this approach also applies to learning neural data and showed superiority in both data and compute efficiency and accuracy compared to traditional GLM models.</a:t>
+            </a:r>
+            <a:endParaRPr lang="en-GB" sz="2800" dirty="0"/>
+          </a:p>
+        </p:txBody>
+      </p:sp>
+      <p:sp>
+        <p:nvSpPr>
+          <p:cNvPr id="8" name="Content Placeholder 2" descr="Column 1, box 1"/>
+          <p:cNvSpPr txBox="1">
+            <a:spLocks/>
+          </p:cNvSpPr>
+          <p:nvPr/>
+        </p:nvSpPr>
+        <p:spPr>
+          <a:xfrm>
+            <a:off x="1111250" y="11595099"/>
+            <a:ext cx="13700125" cy="14632941"/>
+          </a:xfrm>
+          <a:prstGeom prst="rect">
+            <a:avLst/>
+          </a:prstGeom>
+          <a:solidFill>
+            <a:schemeClr val="bg1"/>
+          </a:solidFill>
+        </p:spPr>
+        <p:txBody>
+          <a:bodyPr/>
+          <a:lstStyle>
+            <a:lvl1pPr marL="756872" indent="-756872" algn="l" defTabSz="3027487" rtl="0" eaLnBrk="1" latinLnBrk="0" hangingPunct="1">
+              <a:lnSpc>
+                <a:spcPct val="90000"/>
+              </a:lnSpc>
+              <a:spcBef>
+                <a:spcPts val="3311"/>
+              </a:spcBef>
+              <a:buFont typeface="Arial" panose="020B0604020202020204" pitchFamily="34" charset="0"/>
+              <a:buChar char="•"/>
+              <a:defRPr sz="9271" kern="1200">
+                <a:solidFill>
+                  <a:schemeClr val="tx1"/>
+                </a:solidFill>
+                <a:latin typeface="+mn-lt"/>
+                <a:ea typeface="+mn-ea"/>
+                <a:cs typeface="+mn-cs"/>
+              </a:defRPr>
+            </a:lvl1pPr>
+            <a:lvl2pPr marL="2270615" indent="-756872" algn="l" defTabSz="3027487" rtl="0" eaLnBrk="1" latinLnBrk="0" hangingPunct="1">
+              <a:lnSpc>
+                <a:spcPct val="90000"/>
+              </a:lnSpc>
+              <a:spcBef>
+                <a:spcPts val="1655"/>
+              </a:spcBef>
+              <a:buFont typeface="Arial" panose="020B0604020202020204" pitchFamily="34" charset="0"/>
+              <a:buChar char="•"/>
+              <a:defRPr sz="7946" kern="1200">
+                <a:solidFill>
+                  <a:schemeClr val="tx1"/>
+                </a:solidFill>
+                <a:latin typeface="+mn-lt"/>
+                <a:ea typeface="+mn-ea"/>
+                <a:cs typeface="+mn-cs"/>
+              </a:defRPr>
+            </a:lvl2pPr>
+            <a:lvl3pPr marL="3784359" indent="-756872" algn="l" defTabSz="3027487" rtl="0" eaLnBrk="1" latinLnBrk="0" hangingPunct="1">
+              <a:lnSpc>
+                <a:spcPct val="90000"/>
+              </a:lnSpc>
+              <a:spcBef>
+                <a:spcPts val="1655"/>
+              </a:spcBef>
+              <a:buFont typeface="Arial" panose="020B0604020202020204" pitchFamily="34" charset="0"/>
+              <a:buChar char="•"/>
+              <a:defRPr sz="6622" kern="1200">
+                <a:solidFill>
+                  <a:schemeClr val="tx1"/>
+                </a:solidFill>
+                <a:latin typeface="+mn-lt"/>
+                <a:ea typeface="+mn-ea"/>
+                <a:cs typeface="+mn-cs"/>
+              </a:defRPr>
+            </a:lvl3pPr>
+            <a:lvl4pPr marL="5298102" indent="-756872" algn="l" defTabSz="3027487" rtl="0" eaLnBrk="1" latinLnBrk="0" hangingPunct="1">
+              <a:lnSpc>
+                <a:spcPct val="90000"/>
+              </a:lnSpc>
+              <a:spcBef>
+                <a:spcPts val="1655"/>
+              </a:spcBef>
+              <a:buFont typeface="Arial" panose="020B0604020202020204" pitchFamily="34" charset="0"/>
+              <a:buChar char="•"/>
+              <a:defRPr sz="5960" kern="1200">
+                <a:solidFill>
+                  <a:schemeClr val="tx1"/>
+                </a:solidFill>
+                <a:latin typeface="+mn-lt"/>
+                <a:ea typeface="+mn-ea"/>
+                <a:cs typeface="+mn-cs"/>
+              </a:defRPr>
+            </a:lvl4pPr>
+            <a:lvl5pPr marL="6811846" indent="-756872" algn="l" defTabSz="3027487" rtl="0" eaLnBrk="1" latinLnBrk="0" hangingPunct="1">
+              <a:lnSpc>
+                <a:spcPct val="90000"/>
+              </a:lnSpc>
+              <a:spcBef>
+                <a:spcPts val="1655"/>
+              </a:spcBef>
+              <a:buFont typeface="Arial" panose="020B0604020202020204" pitchFamily="34" charset="0"/>
+              <a:buChar char="•"/>
+              <a:defRPr sz="5960" kern="1200">
+                <a:solidFill>
+                  <a:schemeClr val="tx1"/>
+                </a:solidFill>
+                <a:latin typeface="+mn-lt"/>
+                <a:ea typeface="+mn-ea"/>
+                <a:cs typeface="+mn-cs"/>
+              </a:defRPr>
+            </a:lvl5pPr>
+            <a:lvl6pPr marL="8325589" indent="-756872" algn="l" defTabSz="3027487" rtl="0" eaLnBrk="1" latinLnBrk="0" hangingPunct="1">
+              <a:lnSpc>
+                <a:spcPct val="90000"/>
+              </a:lnSpc>
+              <a:spcBef>
+                <a:spcPts val="1655"/>
+              </a:spcBef>
+              <a:buFont typeface="Arial" panose="020B0604020202020204" pitchFamily="34" charset="0"/>
+              <a:buChar char="•"/>
+              <a:defRPr sz="5960" kern="1200">
+                <a:solidFill>
+                  <a:schemeClr val="tx1"/>
+                </a:solidFill>
+                <a:latin typeface="+mn-lt"/>
+                <a:ea typeface="+mn-ea"/>
+                <a:cs typeface="+mn-cs"/>
+              </a:defRPr>
+            </a:lvl6pPr>
+            <a:lvl7pPr marL="9839333" indent="-756872" algn="l" defTabSz="3027487" rtl="0" eaLnBrk="1" latinLnBrk="0" hangingPunct="1">
+              <a:lnSpc>
+                <a:spcPct val="90000"/>
+              </a:lnSpc>
+              <a:spcBef>
+                <a:spcPts val="1655"/>
+              </a:spcBef>
+              <a:buFont typeface="Arial" panose="020B0604020202020204" pitchFamily="34" charset="0"/>
+              <a:buChar char="•"/>
+              <a:defRPr sz="5960" kern="1200">
+                <a:solidFill>
+                  <a:schemeClr val="tx1"/>
+                </a:solidFill>
+                <a:latin typeface="+mn-lt"/>
+                <a:ea typeface="+mn-ea"/>
+                <a:cs typeface="+mn-cs"/>
+              </a:defRPr>
+            </a:lvl7pPr>
+            <a:lvl8pPr marL="11353076" indent="-756872" algn="l" defTabSz="3027487" rtl="0" eaLnBrk="1" latinLnBrk="0" hangingPunct="1">
+              <a:lnSpc>
+                <a:spcPct val="90000"/>
+              </a:lnSpc>
+              <a:spcBef>
+                <a:spcPts val="1655"/>
+              </a:spcBef>
+              <a:buFont typeface="Arial" panose="020B0604020202020204" pitchFamily="34" charset="0"/>
+              <a:buChar char="•"/>
+              <a:defRPr sz="5960" kern="1200">
+                <a:solidFill>
+                  <a:schemeClr val="tx1"/>
+                </a:solidFill>
+                <a:latin typeface="+mn-lt"/>
+                <a:ea typeface="+mn-ea"/>
+                <a:cs typeface="+mn-cs"/>
+              </a:defRPr>
+            </a:lvl8pPr>
+            <a:lvl9pPr marL="12866820" indent="-756872" algn="l" defTabSz="3027487" rtl="0" eaLnBrk="1" latinLnBrk="0" hangingPunct="1">
+              <a:lnSpc>
+                <a:spcPct val="90000"/>
+              </a:lnSpc>
+              <a:spcBef>
+                <a:spcPts val="1655"/>
+              </a:spcBef>
+              <a:buFont typeface="Arial" panose="020B0604020202020204" pitchFamily="34" charset="0"/>
+              <a:buChar char="•"/>
+              <a:defRPr sz="5960" kern="1200">
+                <a:solidFill>
+                  <a:schemeClr val="tx1"/>
+                </a:solidFill>
+                <a:latin typeface="+mn-lt"/>
+                <a:ea typeface="+mn-ea"/>
+                <a:cs typeface="+mn-cs"/>
+              </a:defRPr>
+            </a:lvl9pPr>
+          </a:lstStyle>
+          <a:p>
+            <a:pPr marL="0" indent="0">
+              <a:buNone/>
+            </a:pPr>
+            <a:r>
+              <a:rPr lang="en-GB" dirty="0" smtClean="0"/>
+              <a:t>RECORDING SET UP</a:t>
+            </a:r>
+          </a:p>
+          <a:p>
+            <a:endParaRPr lang="en-GB" dirty="0" smtClean="0"/>
+          </a:p>
+          <a:p>
+            <a:pPr marL="0" indent="0">
+              <a:buNone/>
+            </a:pPr>
+            <a:r>
+              <a:rPr lang="en-GB" sz="2800" dirty="0" smtClean="0"/>
+              <a:t>INSERT COOL ANATOMY DIAGRAM HERE</a:t>
+            </a:r>
+          </a:p>
+          <a:p>
+            <a:pPr marL="0" indent="0">
+              <a:buNone/>
+            </a:pPr>
+            <a:endParaRPr lang="en-GB" sz="2800" dirty="0"/>
+          </a:p>
+          <a:p>
+            <a:pPr marL="0" indent="0">
+              <a:buNone/>
+            </a:pPr>
+            <a:r>
+              <a:rPr lang="en-GB" sz="2800" dirty="0" err="1" smtClean="0"/>
+              <a:t>Acf</a:t>
+            </a:r>
+            <a:r>
+              <a:rPr lang="en-GB" sz="2800" dirty="0" smtClean="0"/>
+              <a:t> of GCaMP</a:t>
+            </a:r>
+          </a:p>
+          <a:p>
+            <a:pPr marL="0" indent="0">
+              <a:buNone/>
+            </a:pPr>
+            <a:endParaRPr lang="en-GB" sz="2800" dirty="0"/>
+          </a:p>
+          <a:p>
+            <a:pPr marL="0" indent="0">
+              <a:buNone/>
+            </a:pPr>
+            <a:endParaRPr lang="en-GB" sz="2800" dirty="0" smtClean="0"/>
+          </a:p>
+          <a:p>
+            <a:pPr marL="0" indent="0">
+              <a:buNone/>
+            </a:pPr>
+            <a:endParaRPr lang="en-GB" sz="2800" dirty="0"/>
+          </a:p>
+          <a:p>
+            <a:pPr marL="0" indent="0">
+              <a:buNone/>
+            </a:pPr>
+            <a:endParaRPr lang="en-GB" sz="2800" dirty="0" smtClean="0"/>
+          </a:p>
+          <a:p>
+            <a:pPr marL="0" indent="0">
+              <a:buNone/>
+            </a:pPr>
+            <a:endParaRPr lang="en-GB" sz="2800" dirty="0"/>
+          </a:p>
+          <a:p>
+            <a:pPr marL="0" indent="0">
+              <a:buNone/>
+            </a:pPr>
+            <a:r>
+              <a:rPr lang="en-GB" sz="2800" dirty="0" smtClean="0"/>
+              <a:t>Example of Data</a:t>
+            </a:r>
+          </a:p>
+          <a:p>
+            <a:pPr marL="0" indent="0">
+              <a:buNone/>
+            </a:pPr>
+            <a:endParaRPr lang="en-GB" sz="2800" dirty="0" smtClean="0"/>
+          </a:p>
+        </p:txBody>
+      </p:sp>
+      <p:sp>
+        <p:nvSpPr>
+          <p:cNvPr id="9" name="Content Placeholder 2" descr="Column 1, box 1"/>
+          <p:cNvSpPr txBox="1">
+            <a:spLocks/>
+          </p:cNvSpPr>
+          <p:nvPr/>
+        </p:nvSpPr>
+        <p:spPr>
+          <a:xfrm>
+            <a:off x="1111250" y="26650633"/>
+            <a:ext cx="13700125" cy="13602240"/>
+          </a:xfrm>
+          <a:prstGeom prst="rect">
+            <a:avLst/>
+          </a:prstGeom>
+          <a:solidFill>
+            <a:schemeClr val="bg1"/>
+          </a:solidFill>
+        </p:spPr>
+        <p:txBody>
+          <a:bodyPr/>
+          <a:lstStyle>
+            <a:lvl1pPr marL="756872" indent="-756872" algn="l" defTabSz="3027487" rtl="0" eaLnBrk="1" latinLnBrk="0" hangingPunct="1">
+              <a:lnSpc>
+                <a:spcPct val="90000"/>
+              </a:lnSpc>
+              <a:spcBef>
+                <a:spcPts val="3311"/>
+              </a:spcBef>
+              <a:buFont typeface="Arial" panose="020B0604020202020204" pitchFamily="34" charset="0"/>
+              <a:buChar char="•"/>
+              <a:defRPr sz="9271" kern="1200">
+                <a:solidFill>
+                  <a:schemeClr val="tx1"/>
+                </a:solidFill>
+                <a:latin typeface="+mn-lt"/>
+                <a:ea typeface="+mn-ea"/>
+                <a:cs typeface="+mn-cs"/>
+              </a:defRPr>
+            </a:lvl1pPr>
+            <a:lvl2pPr marL="2270615" indent="-756872" algn="l" defTabSz="3027487" rtl="0" eaLnBrk="1" latinLnBrk="0" hangingPunct="1">
+              <a:lnSpc>
+                <a:spcPct val="90000"/>
+              </a:lnSpc>
+              <a:spcBef>
+                <a:spcPts val="1655"/>
+              </a:spcBef>
+              <a:buFont typeface="Arial" panose="020B0604020202020204" pitchFamily="34" charset="0"/>
+              <a:buChar char="•"/>
+              <a:defRPr sz="7946" kern="1200">
+                <a:solidFill>
+                  <a:schemeClr val="tx1"/>
+                </a:solidFill>
+                <a:latin typeface="+mn-lt"/>
+                <a:ea typeface="+mn-ea"/>
+                <a:cs typeface="+mn-cs"/>
+              </a:defRPr>
+            </a:lvl2pPr>
+            <a:lvl3pPr marL="3784359" indent="-756872" algn="l" defTabSz="3027487" rtl="0" eaLnBrk="1" latinLnBrk="0" hangingPunct="1">
+              <a:lnSpc>
+                <a:spcPct val="90000"/>
+              </a:lnSpc>
+              <a:spcBef>
+                <a:spcPts val="1655"/>
+              </a:spcBef>
+              <a:buFont typeface="Arial" panose="020B0604020202020204" pitchFamily="34" charset="0"/>
+              <a:buChar char="•"/>
+              <a:defRPr sz="6622" kern="1200">
+                <a:solidFill>
+                  <a:schemeClr val="tx1"/>
+                </a:solidFill>
+                <a:latin typeface="+mn-lt"/>
+                <a:ea typeface="+mn-ea"/>
+                <a:cs typeface="+mn-cs"/>
+              </a:defRPr>
+            </a:lvl3pPr>
+            <a:lvl4pPr marL="5298102" indent="-756872" algn="l" defTabSz="3027487" rtl="0" eaLnBrk="1" latinLnBrk="0" hangingPunct="1">
+              <a:lnSpc>
+                <a:spcPct val="90000"/>
+              </a:lnSpc>
+              <a:spcBef>
+                <a:spcPts val="1655"/>
+              </a:spcBef>
+              <a:buFont typeface="Arial" panose="020B0604020202020204" pitchFamily="34" charset="0"/>
+              <a:buChar char="•"/>
+              <a:defRPr sz="5960" kern="1200">
+                <a:solidFill>
+                  <a:schemeClr val="tx1"/>
+                </a:solidFill>
+                <a:latin typeface="+mn-lt"/>
+                <a:ea typeface="+mn-ea"/>
+                <a:cs typeface="+mn-cs"/>
+              </a:defRPr>
+            </a:lvl4pPr>
+            <a:lvl5pPr marL="6811846" indent="-756872" algn="l" defTabSz="3027487" rtl="0" eaLnBrk="1" latinLnBrk="0" hangingPunct="1">
+              <a:lnSpc>
+                <a:spcPct val="90000"/>
+              </a:lnSpc>
+              <a:spcBef>
+                <a:spcPts val="1655"/>
+              </a:spcBef>
+              <a:buFont typeface="Arial" panose="020B0604020202020204" pitchFamily="34" charset="0"/>
+              <a:buChar char="•"/>
+              <a:defRPr sz="5960" kern="1200">
+                <a:solidFill>
+                  <a:schemeClr val="tx1"/>
+                </a:solidFill>
+                <a:latin typeface="+mn-lt"/>
+                <a:ea typeface="+mn-ea"/>
+                <a:cs typeface="+mn-cs"/>
+              </a:defRPr>
+            </a:lvl5pPr>
+            <a:lvl6pPr marL="8325589" indent="-756872" algn="l" defTabSz="3027487" rtl="0" eaLnBrk="1" latinLnBrk="0" hangingPunct="1">
+              <a:lnSpc>
+                <a:spcPct val="90000"/>
+              </a:lnSpc>
+              <a:spcBef>
+                <a:spcPts val="1655"/>
+              </a:spcBef>
+              <a:buFont typeface="Arial" panose="020B0604020202020204" pitchFamily="34" charset="0"/>
+              <a:buChar char="•"/>
+              <a:defRPr sz="5960" kern="1200">
+                <a:solidFill>
+                  <a:schemeClr val="tx1"/>
+                </a:solidFill>
+                <a:latin typeface="+mn-lt"/>
+                <a:ea typeface="+mn-ea"/>
+                <a:cs typeface="+mn-cs"/>
+              </a:defRPr>
+            </a:lvl6pPr>
+            <a:lvl7pPr marL="9839333" indent="-756872" algn="l" defTabSz="3027487" rtl="0" eaLnBrk="1" latinLnBrk="0" hangingPunct="1">
+              <a:lnSpc>
+                <a:spcPct val="90000"/>
+              </a:lnSpc>
+              <a:spcBef>
+                <a:spcPts val="1655"/>
+              </a:spcBef>
+              <a:buFont typeface="Arial" panose="020B0604020202020204" pitchFamily="34" charset="0"/>
+              <a:buChar char="•"/>
+              <a:defRPr sz="5960" kern="1200">
+                <a:solidFill>
+                  <a:schemeClr val="tx1"/>
+                </a:solidFill>
+                <a:latin typeface="+mn-lt"/>
+                <a:ea typeface="+mn-ea"/>
+                <a:cs typeface="+mn-cs"/>
+              </a:defRPr>
+            </a:lvl7pPr>
+            <a:lvl8pPr marL="11353076" indent="-756872" algn="l" defTabSz="3027487" rtl="0" eaLnBrk="1" latinLnBrk="0" hangingPunct="1">
+              <a:lnSpc>
+                <a:spcPct val="90000"/>
+              </a:lnSpc>
+              <a:spcBef>
+                <a:spcPts val="1655"/>
+              </a:spcBef>
+              <a:buFont typeface="Arial" panose="020B0604020202020204" pitchFamily="34" charset="0"/>
+              <a:buChar char="•"/>
+              <a:defRPr sz="5960" kern="1200">
+                <a:solidFill>
+                  <a:schemeClr val="tx1"/>
+                </a:solidFill>
+                <a:latin typeface="+mn-lt"/>
+                <a:ea typeface="+mn-ea"/>
+                <a:cs typeface="+mn-cs"/>
+              </a:defRPr>
+            </a:lvl8pPr>
+            <a:lvl9pPr marL="12866820" indent="-756872" algn="l" defTabSz="3027487" rtl="0" eaLnBrk="1" latinLnBrk="0" hangingPunct="1">
+              <a:lnSpc>
+                <a:spcPct val="90000"/>
+              </a:lnSpc>
+              <a:spcBef>
+                <a:spcPts val="1655"/>
+              </a:spcBef>
+              <a:buFont typeface="Arial" panose="020B0604020202020204" pitchFamily="34" charset="0"/>
+              <a:buChar char="•"/>
+              <a:defRPr sz="5960" kern="1200">
+                <a:solidFill>
+                  <a:schemeClr val="tx1"/>
+                </a:solidFill>
+                <a:latin typeface="+mn-lt"/>
+                <a:ea typeface="+mn-ea"/>
+                <a:cs typeface="+mn-cs"/>
+              </a:defRPr>
+            </a:lvl9pPr>
+          </a:lstStyle>
+          <a:p>
+            <a:pPr marL="0" indent="0">
+              <a:buNone/>
+            </a:pPr>
+            <a:r>
+              <a:rPr lang="en-GB" dirty="0" smtClean="0"/>
+              <a:t>CORE RESULTS</a:t>
+            </a:r>
+            <a:endParaRPr lang="en-GB" dirty="0"/>
+          </a:p>
+          <a:p>
+            <a:pPr marL="0" indent="0">
+              <a:buNone/>
+            </a:pPr>
+            <a:r>
+              <a:rPr lang="en-GB" sz="2800" dirty="0" smtClean="0"/>
+              <a:t>Trained performance</a:t>
+            </a:r>
+          </a:p>
+          <a:p>
+            <a:pPr marL="0" indent="0">
+              <a:buNone/>
+            </a:pPr>
+            <a:endParaRPr lang="en-GB" sz="2800" dirty="0"/>
+          </a:p>
+          <a:p>
+            <a:pPr marL="0" indent="0">
+              <a:buNone/>
+            </a:pPr>
+            <a:endParaRPr lang="en-GB" sz="2800" dirty="0" smtClean="0"/>
+          </a:p>
+          <a:p>
+            <a:pPr marL="0" indent="0">
+              <a:buNone/>
+            </a:pPr>
+            <a:endParaRPr lang="en-GB" sz="2800" dirty="0"/>
+          </a:p>
+          <a:p>
+            <a:pPr marL="0" indent="0">
+              <a:buNone/>
+            </a:pPr>
+            <a:endParaRPr lang="en-GB" sz="2800" dirty="0" smtClean="0"/>
+          </a:p>
+          <a:p>
+            <a:pPr marL="0" indent="0">
+              <a:buNone/>
+            </a:pPr>
+            <a:endParaRPr lang="en-GB" sz="2800" dirty="0"/>
+          </a:p>
+          <a:p>
+            <a:pPr marL="0" indent="0">
+              <a:buNone/>
+            </a:pPr>
+            <a:r>
+              <a:rPr lang="en-GB" sz="2800" dirty="0" smtClean="0"/>
+              <a:t>Violin Plots</a:t>
+            </a:r>
+          </a:p>
+          <a:p>
+            <a:endParaRPr lang="en-GB" dirty="0" smtClean="0"/>
+          </a:p>
+        </p:txBody>
+      </p:sp>
+      <p:sp>
+        <p:nvSpPr>
+          <p:cNvPr id="10" name="Content Placeholder 2" descr="Column 1, box 1"/>
+          <p:cNvSpPr txBox="1">
+            <a:spLocks/>
+          </p:cNvSpPr>
+          <p:nvPr/>
+        </p:nvSpPr>
+        <p:spPr>
+          <a:xfrm>
+            <a:off x="15495588" y="20617093"/>
+            <a:ext cx="13700125" cy="15472024"/>
+          </a:xfrm>
+          <a:prstGeom prst="rect">
+            <a:avLst/>
+          </a:prstGeom>
+          <a:solidFill>
+            <a:schemeClr val="bg1"/>
+          </a:solidFill>
+        </p:spPr>
+        <p:txBody>
+          <a:bodyPr/>
+          <a:lstStyle>
+            <a:lvl1pPr marL="756872" indent="-756872" algn="l" defTabSz="3027487" rtl="0" eaLnBrk="1" latinLnBrk="0" hangingPunct="1">
+              <a:lnSpc>
+                <a:spcPct val="90000"/>
+              </a:lnSpc>
+              <a:spcBef>
+                <a:spcPts val="3311"/>
+              </a:spcBef>
+              <a:buFont typeface="Arial" panose="020B0604020202020204" pitchFamily="34" charset="0"/>
+              <a:buChar char="•"/>
+              <a:defRPr sz="9271" kern="1200">
+                <a:solidFill>
+                  <a:schemeClr val="tx1"/>
+                </a:solidFill>
+                <a:latin typeface="+mn-lt"/>
+                <a:ea typeface="+mn-ea"/>
+                <a:cs typeface="+mn-cs"/>
+              </a:defRPr>
+            </a:lvl1pPr>
+            <a:lvl2pPr marL="2270615" indent="-756872" algn="l" defTabSz="3027487" rtl="0" eaLnBrk="1" latinLnBrk="0" hangingPunct="1">
+              <a:lnSpc>
+                <a:spcPct val="90000"/>
+              </a:lnSpc>
+              <a:spcBef>
+                <a:spcPts val="1655"/>
+              </a:spcBef>
+              <a:buFont typeface="Arial" panose="020B0604020202020204" pitchFamily="34" charset="0"/>
+              <a:buChar char="•"/>
+              <a:defRPr sz="7946" kern="1200">
+                <a:solidFill>
+                  <a:schemeClr val="tx1"/>
+                </a:solidFill>
+                <a:latin typeface="+mn-lt"/>
+                <a:ea typeface="+mn-ea"/>
+                <a:cs typeface="+mn-cs"/>
+              </a:defRPr>
+            </a:lvl2pPr>
+            <a:lvl3pPr marL="3784359" indent="-756872" algn="l" defTabSz="3027487" rtl="0" eaLnBrk="1" latinLnBrk="0" hangingPunct="1">
+              <a:lnSpc>
+                <a:spcPct val="90000"/>
+              </a:lnSpc>
+              <a:spcBef>
+                <a:spcPts val="1655"/>
+              </a:spcBef>
+              <a:buFont typeface="Arial" panose="020B0604020202020204" pitchFamily="34" charset="0"/>
+              <a:buChar char="•"/>
+              <a:defRPr sz="6622" kern="1200">
+                <a:solidFill>
+                  <a:schemeClr val="tx1"/>
+                </a:solidFill>
+                <a:latin typeface="+mn-lt"/>
+                <a:ea typeface="+mn-ea"/>
+                <a:cs typeface="+mn-cs"/>
+              </a:defRPr>
+            </a:lvl3pPr>
+            <a:lvl4pPr marL="5298102" indent="-756872" algn="l" defTabSz="3027487" rtl="0" eaLnBrk="1" latinLnBrk="0" hangingPunct="1">
+              <a:lnSpc>
+                <a:spcPct val="90000"/>
+              </a:lnSpc>
+              <a:spcBef>
+                <a:spcPts val="1655"/>
+              </a:spcBef>
+              <a:buFont typeface="Arial" panose="020B0604020202020204" pitchFamily="34" charset="0"/>
+              <a:buChar char="•"/>
+              <a:defRPr sz="5960" kern="1200">
+                <a:solidFill>
+                  <a:schemeClr val="tx1"/>
+                </a:solidFill>
+                <a:latin typeface="+mn-lt"/>
+                <a:ea typeface="+mn-ea"/>
+                <a:cs typeface="+mn-cs"/>
+              </a:defRPr>
+            </a:lvl4pPr>
+            <a:lvl5pPr marL="6811846" indent="-756872" algn="l" defTabSz="3027487" rtl="0" eaLnBrk="1" latinLnBrk="0" hangingPunct="1">
+              <a:lnSpc>
+                <a:spcPct val="90000"/>
+              </a:lnSpc>
+              <a:spcBef>
+                <a:spcPts val="1655"/>
+              </a:spcBef>
+              <a:buFont typeface="Arial" panose="020B0604020202020204" pitchFamily="34" charset="0"/>
+              <a:buChar char="•"/>
+              <a:defRPr sz="5960" kern="1200">
+                <a:solidFill>
+                  <a:schemeClr val="tx1"/>
+                </a:solidFill>
+                <a:latin typeface="+mn-lt"/>
+                <a:ea typeface="+mn-ea"/>
+                <a:cs typeface="+mn-cs"/>
+              </a:defRPr>
+            </a:lvl5pPr>
+            <a:lvl6pPr marL="8325589" indent="-756872" algn="l" defTabSz="3027487" rtl="0" eaLnBrk="1" latinLnBrk="0" hangingPunct="1">
+              <a:lnSpc>
+                <a:spcPct val="90000"/>
+              </a:lnSpc>
+              <a:spcBef>
+                <a:spcPts val="1655"/>
+              </a:spcBef>
+              <a:buFont typeface="Arial" panose="020B0604020202020204" pitchFamily="34" charset="0"/>
+              <a:buChar char="•"/>
+              <a:defRPr sz="5960" kern="1200">
+                <a:solidFill>
+                  <a:schemeClr val="tx1"/>
+                </a:solidFill>
+                <a:latin typeface="+mn-lt"/>
+                <a:ea typeface="+mn-ea"/>
+                <a:cs typeface="+mn-cs"/>
+              </a:defRPr>
+            </a:lvl6pPr>
+            <a:lvl7pPr marL="9839333" indent="-756872" algn="l" defTabSz="3027487" rtl="0" eaLnBrk="1" latinLnBrk="0" hangingPunct="1">
+              <a:lnSpc>
+                <a:spcPct val="90000"/>
+              </a:lnSpc>
+              <a:spcBef>
+                <a:spcPts val="1655"/>
+              </a:spcBef>
+              <a:buFont typeface="Arial" panose="020B0604020202020204" pitchFamily="34" charset="0"/>
+              <a:buChar char="•"/>
+              <a:defRPr sz="5960" kern="1200">
+                <a:solidFill>
+                  <a:schemeClr val="tx1"/>
+                </a:solidFill>
+                <a:latin typeface="+mn-lt"/>
+                <a:ea typeface="+mn-ea"/>
+                <a:cs typeface="+mn-cs"/>
+              </a:defRPr>
+            </a:lvl7pPr>
+            <a:lvl8pPr marL="11353076" indent="-756872" algn="l" defTabSz="3027487" rtl="0" eaLnBrk="1" latinLnBrk="0" hangingPunct="1">
+              <a:lnSpc>
+                <a:spcPct val="90000"/>
+              </a:lnSpc>
+              <a:spcBef>
+                <a:spcPts val="1655"/>
+              </a:spcBef>
+              <a:buFont typeface="Arial" panose="020B0604020202020204" pitchFamily="34" charset="0"/>
+              <a:buChar char="•"/>
+              <a:defRPr sz="5960" kern="1200">
+                <a:solidFill>
+                  <a:schemeClr val="tx1"/>
+                </a:solidFill>
+                <a:latin typeface="+mn-lt"/>
+                <a:ea typeface="+mn-ea"/>
+                <a:cs typeface="+mn-cs"/>
+              </a:defRPr>
+            </a:lvl8pPr>
+            <a:lvl9pPr marL="12866820" indent="-756872" algn="l" defTabSz="3027487" rtl="0" eaLnBrk="1" latinLnBrk="0" hangingPunct="1">
+              <a:lnSpc>
+                <a:spcPct val="90000"/>
+              </a:lnSpc>
+              <a:spcBef>
+                <a:spcPts val="1655"/>
+              </a:spcBef>
+              <a:buFont typeface="Arial" panose="020B0604020202020204" pitchFamily="34" charset="0"/>
+              <a:buChar char="•"/>
+              <a:defRPr sz="5960" kern="1200">
+                <a:solidFill>
+                  <a:schemeClr val="tx1"/>
+                </a:solidFill>
+                <a:latin typeface="+mn-lt"/>
+                <a:ea typeface="+mn-ea"/>
+                <a:cs typeface="+mn-cs"/>
+              </a:defRPr>
+            </a:lvl9pPr>
+          </a:lstStyle>
+          <a:p>
+            <a:pPr marL="0" indent="0">
+              <a:buNone/>
+            </a:pPr>
+            <a:r>
+              <a:rPr lang="en-GB" dirty="0" smtClean="0"/>
+              <a:t>CONCLUSION</a:t>
+            </a:r>
+          </a:p>
+          <a:p>
+            <a:pPr marL="0" indent="0">
+              <a:buNone/>
+            </a:pPr>
+            <a:r>
+              <a:rPr lang="en-GB" sz="2400" dirty="0" smtClean="0"/>
+              <a:t>Attention Maps</a:t>
+            </a:r>
+          </a:p>
+          <a:p>
+            <a:pPr marL="0" indent="0">
+              <a:buNone/>
+            </a:pPr>
+            <a:endParaRPr lang="en-GB" sz="2400" dirty="0"/>
+          </a:p>
+          <a:p>
+            <a:pPr marL="0" indent="0">
+              <a:buNone/>
+            </a:pPr>
+            <a:endParaRPr lang="en-GB" sz="2400" dirty="0" smtClean="0"/>
+          </a:p>
+          <a:p>
+            <a:pPr marL="0" indent="0">
+              <a:buNone/>
+            </a:pPr>
+            <a:endParaRPr lang="en-GB" sz="2400" dirty="0"/>
+          </a:p>
+          <a:p>
+            <a:pPr marL="0" indent="0">
+              <a:buNone/>
+            </a:pPr>
+            <a:endParaRPr lang="en-GB" sz="2400" dirty="0" smtClean="0"/>
+          </a:p>
+          <a:p>
+            <a:pPr marL="0" indent="0">
+              <a:buNone/>
+            </a:pPr>
+            <a:r>
+              <a:rPr lang="en-GB" sz="2400" dirty="0" smtClean="0"/>
+              <a:t>Accuracy vs Amount of Data</a:t>
+            </a:r>
+          </a:p>
+          <a:p>
+            <a:pPr marL="0" indent="0">
+              <a:buNone/>
+            </a:pPr>
+            <a:r>
+              <a:rPr lang="en-GB" sz="2400" dirty="0" smtClean="0"/>
+              <a:t>(Figures to be generated)</a:t>
+            </a:r>
+          </a:p>
+          <a:p>
+            <a:pPr marL="0" indent="0">
+              <a:buNone/>
+            </a:pPr>
+            <a:endParaRPr lang="en-GB" sz="2400" dirty="0"/>
+          </a:p>
+          <a:p>
+            <a:pPr marL="0" indent="0">
+              <a:buNone/>
+            </a:pPr>
+            <a:endParaRPr lang="en-GB" sz="2400" dirty="0" smtClean="0"/>
+          </a:p>
+          <a:p>
+            <a:pPr marL="0" indent="0">
+              <a:buNone/>
+            </a:pPr>
+            <a:endParaRPr lang="en-GB" sz="2400" dirty="0"/>
+          </a:p>
+          <a:p>
+            <a:pPr marL="0" indent="0">
+              <a:buNone/>
+            </a:pPr>
+            <a:endParaRPr lang="en-GB" sz="2400" dirty="0" smtClean="0"/>
+          </a:p>
+          <a:p>
+            <a:endParaRPr lang="en-GB" dirty="0" smtClean="0"/>
+          </a:p>
+        </p:txBody>
+      </p:sp>
+      <p:sp>
+        <p:nvSpPr>
+          <p:cNvPr id="11" name="Content Placeholder 2" descr="Column 1, box 1"/>
+          <p:cNvSpPr txBox="1">
+            <a:spLocks/>
+          </p:cNvSpPr>
+          <p:nvPr/>
+        </p:nvSpPr>
+        <p:spPr>
+          <a:xfrm>
+            <a:off x="15495587" y="36804600"/>
+            <a:ext cx="13700125" cy="3448272"/>
+          </a:xfrm>
+          <a:prstGeom prst="rect">
+            <a:avLst/>
+          </a:prstGeom>
+          <a:solidFill>
+            <a:schemeClr val="bg1"/>
+          </a:solidFill>
+        </p:spPr>
+        <p:txBody>
+          <a:bodyPr/>
+          <a:lstStyle>
+            <a:lvl1pPr marL="756872" indent="-756872" algn="l" defTabSz="3027487" rtl="0" eaLnBrk="1" latinLnBrk="0" hangingPunct="1">
+              <a:lnSpc>
+                <a:spcPct val="90000"/>
+              </a:lnSpc>
+              <a:spcBef>
+                <a:spcPts val="3311"/>
+              </a:spcBef>
+              <a:buFont typeface="Arial" panose="020B0604020202020204" pitchFamily="34" charset="0"/>
+              <a:buChar char="•"/>
+              <a:defRPr sz="9271" kern="1200">
+                <a:solidFill>
+                  <a:schemeClr val="tx1"/>
+                </a:solidFill>
+                <a:latin typeface="+mn-lt"/>
+                <a:ea typeface="+mn-ea"/>
+                <a:cs typeface="+mn-cs"/>
+              </a:defRPr>
+            </a:lvl1pPr>
+            <a:lvl2pPr marL="2270615" indent="-756872" algn="l" defTabSz="3027487" rtl="0" eaLnBrk="1" latinLnBrk="0" hangingPunct="1">
+              <a:lnSpc>
+                <a:spcPct val="90000"/>
+              </a:lnSpc>
+              <a:spcBef>
+                <a:spcPts val="1655"/>
+              </a:spcBef>
+              <a:buFont typeface="Arial" panose="020B0604020202020204" pitchFamily="34" charset="0"/>
+              <a:buChar char="•"/>
+              <a:defRPr sz="7946" kern="1200">
+                <a:solidFill>
+                  <a:schemeClr val="tx1"/>
+                </a:solidFill>
+                <a:latin typeface="+mn-lt"/>
+                <a:ea typeface="+mn-ea"/>
+                <a:cs typeface="+mn-cs"/>
+              </a:defRPr>
+            </a:lvl2pPr>
+            <a:lvl3pPr marL="3784359" indent="-756872" algn="l" defTabSz="3027487" rtl="0" eaLnBrk="1" latinLnBrk="0" hangingPunct="1">
+              <a:lnSpc>
+                <a:spcPct val="90000"/>
+              </a:lnSpc>
+              <a:spcBef>
+                <a:spcPts val="1655"/>
+              </a:spcBef>
+              <a:buFont typeface="Arial" panose="020B0604020202020204" pitchFamily="34" charset="0"/>
+              <a:buChar char="•"/>
+              <a:defRPr sz="6622" kern="1200">
+                <a:solidFill>
+                  <a:schemeClr val="tx1"/>
+                </a:solidFill>
+                <a:latin typeface="+mn-lt"/>
+                <a:ea typeface="+mn-ea"/>
+                <a:cs typeface="+mn-cs"/>
+              </a:defRPr>
+            </a:lvl3pPr>
+            <a:lvl4pPr marL="5298102" indent="-756872" algn="l" defTabSz="3027487" rtl="0" eaLnBrk="1" latinLnBrk="0" hangingPunct="1">
+              <a:lnSpc>
+                <a:spcPct val="90000"/>
+              </a:lnSpc>
+              <a:spcBef>
+                <a:spcPts val="1655"/>
+              </a:spcBef>
+              <a:buFont typeface="Arial" panose="020B0604020202020204" pitchFamily="34" charset="0"/>
+              <a:buChar char="•"/>
+              <a:defRPr sz="5960" kern="1200">
+                <a:solidFill>
+                  <a:schemeClr val="tx1"/>
+                </a:solidFill>
+                <a:latin typeface="+mn-lt"/>
+                <a:ea typeface="+mn-ea"/>
+                <a:cs typeface="+mn-cs"/>
+              </a:defRPr>
+            </a:lvl4pPr>
+            <a:lvl5pPr marL="6811846" indent="-756872" algn="l" defTabSz="3027487" rtl="0" eaLnBrk="1" latinLnBrk="0" hangingPunct="1">
+              <a:lnSpc>
+                <a:spcPct val="90000"/>
+              </a:lnSpc>
+              <a:spcBef>
+                <a:spcPts val="1655"/>
+              </a:spcBef>
+              <a:buFont typeface="Arial" panose="020B0604020202020204" pitchFamily="34" charset="0"/>
+              <a:buChar char="•"/>
+              <a:defRPr sz="5960" kern="1200">
+                <a:solidFill>
+                  <a:schemeClr val="tx1"/>
+                </a:solidFill>
+                <a:latin typeface="+mn-lt"/>
+                <a:ea typeface="+mn-ea"/>
+                <a:cs typeface="+mn-cs"/>
+              </a:defRPr>
+            </a:lvl5pPr>
+            <a:lvl6pPr marL="8325589" indent="-756872" algn="l" defTabSz="3027487" rtl="0" eaLnBrk="1" latinLnBrk="0" hangingPunct="1">
+              <a:lnSpc>
+                <a:spcPct val="90000"/>
+              </a:lnSpc>
+              <a:spcBef>
+                <a:spcPts val="1655"/>
+              </a:spcBef>
+              <a:buFont typeface="Arial" panose="020B0604020202020204" pitchFamily="34" charset="0"/>
+              <a:buChar char="•"/>
+              <a:defRPr sz="5960" kern="1200">
+                <a:solidFill>
+                  <a:schemeClr val="tx1"/>
+                </a:solidFill>
+                <a:latin typeface="+mn-lt"/>
+                <a:ea typeface="+mn-ea"/>
+                <a:cs typeface="+mn-cs"/>
+              </a:defRPr>
+            </a:lvl6pPr>
+            <a:lvl7pPr marL="9839333" indent="-756872" algn="l" defTabSz="3027487" rtl="0" eaLnBrk="1" latinLnBrk="0" hangingPunct="1">
+              <a:lnSpc>
+                <a:spcPct val="90000"/>
+              </a:lnSpc>
+              <a:spcBef>
+                <a:spcPts val="1655"/>
+              </a:spcBef>
+              <a:buFont typeface="Arial" panose="020B0604020202020204" pitchFamily="34" charset="0"/>
+              <a:buChar char="•"/>
+              <a:defRPr sz="5960" kern="1200">
+                <a:solidFill>
+                  <a:schemeClr val="tx1"/>
+                </a:solidFill>
+                <a:latin typeface="+mn-lt"/>
+                <a:ea typeface="+mn-ea"/>
+                <a:cs typeface="+mn-cs"/>
+              </a:defRPr>
+            </a:lvl7pPr>
+            <a:lvl8pPr marL="11353076" indent="-756872" algn="l" defTabSz="3027487" rtl="0" eaLnBrk="1" latinLnBrk="0" hangingPunct="1">
+              <a:lnSpc>
+                <a:spcPct val="90000"/>
+              </a:lnSpc>
+              <a:spcBef>
+                <a:spcPts val="1655"/>
+              </a:spcBef>
+              <a:buFont typeface="Arial" panose="020B0604020202020204" pitchFamily="34" charset="0"/>
+              <a:buChar char="•"/>
+              <a:defRPr sz="5960" kern="1200">
+                <a:solidFill>
+                  <a:schemeClr val="tx1"/>
+                </a:solidFill>
+                <a:latin typeface="+mn-lt"/>
+                <a:ea typeface="+mn-ea"/>
+                <a:cs typeface="+mn-cs"/>
+              </a:defRPr>
+            </a:lvl8pPr>
+            <a:lvl9pPr marL="12866820" indent="-756872" algn="l" defTabSz="3027487" rtl="0" eaLnBrk="1" latinLnBrk="0" hangingPunct="1">
+              <a:lnSpc>
+                <a:spcPct val="90000"/>
+              </a:lnSpc>
+              <a:spcBef>
+                <a:spcPts val="1655"/>
+              </a:spcBef>
+              <a:buFont typeface="Arial" panose="020B0604020202020204" pitchFamily="34" charset="0"/>
+              <a:buChar char="•"/>
+              <a:defRPr sz="5960" kern="1200">
+                <a:solidFill>
+                  <a:schemeClr val="tx1"/>
+                </a:solidFill>
+                <a:latin typeface="+mn-lt"/>
+                <a:ea typeface="+mn-ea"/>
+                <a:cs typeface="+mn-cs"/>
+              </a:defRPr>
+            </a:lvl9pPr>
+          </a:lstStyle>
+          <a:p>
+            <a:pPr marL="0" indent="0">
+              <a:buNone/>
+            </a:pPr>
+            <a:r>
+              <a:rPr lang="en-GB" dirty="0" smtClean="0"/>
+              <a:t>REFERENCES</a:t>
+            </a:r>
+          </a:p>
+          <a:p>
+            <a:endParaRPr lang="en-GB" dirty="0" smtClean="0"/>
+          </a:p>
+        </p:txBody>
+      </p:sp>
+      <p:pic>
+        <p:nvPicPr>
+          <p:cNvPr id="2" name="Picture 1"/>
+          <p:cNvPicPr>
+            <a:picLocks noChangeAspect="1"/>
+          </p:cNvPicPr>
+          <p:nvPr/>
+        </p:nvPicPr>
+        <p:blipFill>
+          <a:blip r:embed="rId2" cstate="print">
+            <a:extLst>
+              <a:ext uri="{28A0092B-C50C-407E-A947-70E740481C1C}">
+                <a14:useLocalDpi xmlns:a14="http://schemas.microsoft.com/office/drawing/2010/main" val="0"/>
+              </a:ext>
+            </a:extLst>
+          </a:blip>
+          <a:stretch>
+            <a:fillRect/>
+          </a:stretch>
+        </p:blipFill>
+        <p:spPr>
+          <a:xfrm>
+            <a:off x="1077912" y="18307751"/>
+            <a:ext cx="5379719" cy="4063298"/>
+          </a:xfrm>
+          <a:prstGeom prst="rect">
+            <a:avLst/>
+          </a:prstGeom>
+        </p:spPr>
+      </p:pic>
+      <p:pic>
+        <p:nvPicPr>
+          <p:cNvPr id="3" name="Picture 2"/>
+          <p:cNvPicPr>
+            <a:picLocks noChangeAspect="1"/>
+          </p:cNvPicPr>
+          <p:nvPr/>
+        </p:nvPicPr>
+        <p:blipFill>
+          <a:blip r:embed="rId3" cstate="print">
+            <a:extLst>
+              <a:ext uri="{28A0092B-C50C-407E-A947-70E740481C1C}">
+                <a14:useLocalDpi xmlns:a14="http://schemas.microsoft.com/office/drawing/2010/main" val="0"/>
+              </a:ext>
+            </a:extLst>
+          </a:blip>
+          <a:stretch>
+            <a:fillRect/>
+          </a:stretch>
+        </p:blipFill>
+        <p:spPr>
+          <a:xfrm>
+            <a:off x="1803153" y="29084081"/>
+            <a:ext cx="6075928" cy="3178071"/>
+          </a:xfrm>
+          <a:prstGeom prst="rect">
+            <a:avLst/>
+          </a:prstGeom>
+        </p:spPr>
+      </p:pic>
+      <p:pic>
+        <p:nvPicPr>
+          <p:cNvPr id="4" name="Picture 3"/>
+          <p:cNvPicPr>
+            <a:picLocks noChangeAspect="1"/>
+          </p:cNvPicPr>
+          <p:nvPr/>
+        </p:nvPicPr>
+        <p:blipFill>
+          <a:blip r:embed="rId4" cstate="print">
+            <a:extLst>
+              <a:ext uri="{28A0092B-C50C-407E-A947-70E740481C1C}">
+                <a14:useLocalDpi xmlns:a14="http://schemas.microsoft.com/office/drawing/2010/main" val="0"/>
+              </a:ext>
+            </a:extLst>
+          </a:blip>
+          <a:stretch>
+            <a:fillRect/>
+          </a:stretch>
+        </p:blipFill>
+        <p:spPr>
+          <a:xfrm>
+            <a:off x="1858010" y="34229040"/>
+            <a:ext cx="6123212" cy="6023832"/>
+          </a:xfrm>
+          <a:prstGeom prst="rect">
+            <a:avLst/>
+          </a:prstGeom>
+        </p:spPr>
+      </p:pic>
+      <p:sp>
+        <p:nvSpPr>
+          <p:cNvPr id="17" name="Content Placeholder 2" descr="Column 1, box 1"/>
+          <p:cNvSpPr txBox="1">
+            <a:spLocks/>
+          </p:cNvSpPr>
+          <p:nvPr/>
+        </p:nvSpPr>
+        <p:spPr>
+          <a:xfrm>
+            <a:off x="15592425" y="11595099"/>
+            <a:ext cx="13700125" cy="8306511"/>
+          </a:xfrm>
+          <a:prstGeom prst="rect">
+            <a:avLst/>
+          </a:prstGeom>
+          <a:solidFill>
+            <a:schemeClr val="bg1"/>
+          </a:solidFill>
+        </p:spPr>
+        <p:txBody>
+          <a:bodyPr/>
+          <a:lstStyle>
+            <a:lvl1pPr marL="756872" indent="-756872" algn="l" defTabSz="3027487" rtl="0" eaLnBrk="1" latinLnBrk="0" hangingPunct="1">
+              <a:lnSpc>
+                <a:spcPct val="90000"/>
+              </a:lnSpc>
+              <a:spcBef>
+                <a:spcPts val="3311"/>
+              </a:spcBef>
+              <a:buFont typeface="Arial" panose="020B0604020202020204" pitchFamily="34" charset="0"/>
+              <a:buChar char="•"/>
+              <a:defRPr sz="9271" kern="1200">
+                <a:solidFill>
+                  <a:schemeClr val="tx1"/>
+                </a:solidFill>
+                <a:latin typeface="+mn-lt"/>
+                <a:ea typeface="+mn-ea"/>
+                <a:cs typeface="+mn-cs"/>
+              </a:defRPr>
+            </a:lvl1pPr>
+            <a:lvl2pPr marL="2270615" indent="-756872" algn="l" defTabSz="3027487" rtl="0" eaLnBrk="1" latinLnBrk="0" hangingPunct="1">
+              <a:lnSpc>
+                <a:spcPct val="90000"/>
+              </a:lnSpc>
+              <a:spcBef>
+                <a:spcPts val="1655"/>
+              </a:spcBef>
+              <a:buFont typeface="Arial" panose="020B0604020202020204" pitchFamily="34" charset="0"/>
+              <a:buChar char="•"/>
+              <a:defRPr sz="7946" kern="1200">
+                <a:solidFill>
+                  <a:schemeClr val="tx1"/>
+                </a:solidFill>
+                <a:latin typeface="+mn-lt"/>
+                <a:ea typeface="+mn-ea"/>
+                <a:cs typeface="+mn-cs"/>
+              </a:defRPr>
+            </a:lvl2pPr>
+            <a:lvl3pPr marL="3784359" indent="-756872" algn="l" defTabSz="3027487" rtl="0" eaLnBrk="1" latinLnBrk="0" hangingPunct="1">
+              <a:lnSpc>
+                <a:spcPct val="90000"/>
+              </a:lnSpc>
+              <a:spcBef>
+                <a:spcPts val="1655"/>
+              </a:spcBef>
+              <a:buFont typeface="Arial" panose="020B0604020202020204" pitchFamily="34" charset="0"/>
+              <a:buChar char="•"/>
+              <a:defRPr sz="6622" kern="1200">
+                <a:solidFill>
+                  <a:schemeClr val="tx1"/>
+                </a:solidFill>
+                <a:latin typeface="+mn-lt"/>
+                <a:ea typeface="+mn-ea"/>
+                <a:cs typeface="+mn-cs"/>
+              </a:defRPr>
+            </a:lvl3pPr>
+            <a:lvl4pPr marL="5298102" indent="-756872" algn="l" defTabSz="3027487" rtl="0" eaLnBrk="1" latinLnBrk="0" hangingPunct="1">
+              <a:lnSpc>
+                <a:spcPct val="90000"/>
+              </a:lnSpc>
+              <a:spcBef>
+                <a:spcPts val="1655"/>
+              </a:spcBef>
+              <a:buFont typeface="Arial" panose="020B0604020202020204" pitchFamily="34" charset="0"/>
+              <a:buChar char="•"/>
+              <a:defRPr sz="5960" kern="1200">
+                <a:solidFill>
+                  <a:schemeClr val="tx1"/>
+                </a:solidFill>
+                <a:latin typeface="+mn-lt"/>
+                <a:ea typeface="+mn-ea"/>
+                <a:cs typeface="+mn-cs"/>
+              </a:defRPr>
+            </a:lvl4pPr>
+            <a:lvl5pPr marL="6811846" indent="-756872" algn="l" defTabSz="3027487" rtl="0" eaLnBrk="1" latinLnBrk="0" hangingPunct="1">
+              <a:lnSpc>
+                <a:spcPct val="90000"/>
+              </a:lnSpc>
+              <a:spcBef>
+                <a:spcPts val="1655"/>
+              </a:spcBef>
+              <a:buFont typeface="Arial" panose="020B0604020202020204" pitchFamily="34" charset="0"/>
+              <a:buChar char="•"/>
+              <a:defRPr sz="5960" kern="1200">
+                <a:solidFill>
+                  <a:schemeClr val="tx1"/>
+                </a:solidFill>
+                <a:latin typeface="+mn-lt"/>
+                <a:ea typeface="+mn-ea"/>
+                <a:cs typeface="+mn-cs"/>
+              </a:defRPr>
+            </a:lvl5pPr>
+            <a:lvl6pPr marL="8325589" indent="-756872" algn="l" defTabSz="3027487" rtl="0" eaLnBrk="1" latinLnBrk="0" hangingPunct="1">
+              <a:lnSpc>
+                <a:spcPct val="90000"/>
+              </a:lnSpc>
+              <a:spcBef>
+                <a:spcPts val="1655"/>
+              </a:spcBef>
+              <a:buFont typeface="Arial" panose="020B0604020202020204" pitchFamily="34" charset="0"/>
+              <a:buChar char="•"/>
+              <a:defRPr sz="5960" kern="1200">
+                <a:solidFill>
+                  <a:schemeClr val="tx1"/>
+                </a:solidFill>
+                <a:latin typeface="+mn-lt"/>
+                <a:ea typeface="+mn-ea"/>
+                <a:cs typeface="+mn-cs"/>
+              </a:defRPr>
+            </a:lvl6pPr>
+            <a:lvl7pPr marL="9839333" indent="-756872" algn="l" defTabSz="3027487" rtl="0" eaLnBrk="1" latinLnBrk="0" hangingPunct="1">
+              <a:lnSpc>
+                <a:spcPct val="90000"/>
+              </a:lnSpc>
+              <a:spcBef>
+                <a:spcPts val="1655"/>
+              </a:spcBef>
+              <a:buFont typeface="Arial" panose="020B0604020202020204" pitchFamily="34" charset="0"/>
+              <a:buChar char="•"/>
+              <a:defRPr sz="5960" kern="1200">
+                <a:solidFill>
+                  <a:schemeClr val="tx1"/>
+                </a:solidFill>
+                <a:latin typeface="+mn-lt"/>
+                <a:ea typeface="+mn-ea"/>
+                <a:cs typeface="+mn-cs"/>
+              </a:defRPr>
+            </a:lvl7pPr>
+            <a:lvl8pPr marL="11353076" indent="-756872" algn="l" defTabSz="3027487" rtl="0" eaLnBrk="1" latinLnBrk="0" hangingPunct="1">
+              <a:lnSpc>
+                <a:spcPct val="90000"/>
+              </a:lnSpc>
+              <a:spcBef>
+                <a:spcPts val="1655"/>
+              </a:spcBef>
+              <a:buFont typeface="Arial" panose="020B0604020202020204" pitchFamily="34" charset="0"/>
+              <a:buChar char="•"/>
+              <a:defRPr sz="5960" kern="1200">
+                <a:solidFill>
+                  <a:schemeClr val="tx1"/>
+                </a:solidFill>
+                <a:latin typeface="+mn-lt"/>
+                <a:ea typeface="+mn-ea"/>
+                <a:cs typeface="+mn-cs"/>
+              </a:defRPr>
+            </a:lvl8pPr>
+            <a:lvl9pPr marL="12866820" indent="-756872" algn="l" defTabSz="3027487" rtl="0" eaLnBrk="1" latinLnBrk="0" hangingPunct="1">
+              <a:lnSpc>
+                <a:spcPct val="90000"/>
+              </a:lnSpc>
+              <a:spcBef>
+                <a:spcPts val="1655"/>
+              </a:spcBef>
+              <a:buFont typeface="Arial" panose="020B0604020202020204" pitchFamily="34" charset="0"/>
+              <a:buChar char="•"/>
+              <a:defRPr sz="5960" kern="1200">
+                <a:solidFill>
+                  <a:schemeClr val="tx1"/>
+                </a:solidFill>
+                <a:latin typeface="+mn-lt"/>
+                <a:ea typeface="+mn-ea"/>
+                <a:cs typeface="+mn-cs"/>
+              </a:defRPr>
+            </a:lvl9pPr>
+          </a:lstStyle>
+          <a:p>
+            <a:pPr marL="0" indent="0">
+              <a:buNone/>
+            </a:pPr>
+            <a:r>
+              <a:rPr lang="en-GB" dirty="0" smtClean="0"/>
+              <a:t>CORE RESULTS</a:t>
+            </a:r>
+            <a:endParaRPr lang="en-GB" dirty="0"/>
+          </a:p>
+          <a:p>
+            <a:pPr marL="0" indent="0">
+              <a:buNone/>
+            </a:pPr>
+            <a:r>
+              <a:rPr lang="en-GB" sz="2800" dirty="0" smtClean="0"/>
+              <a:t>Attention Maps</a:t>
+            </a:r>
+          </a:p>
+          <a:p>
+            <a:endParaRPr lang="en-GB" dirty="0" smtClean="0"/>
+          </a:p>
+        </p:txBody>
+      </p:sp>
+      <p:pic>
+        <p:nvPicPr>
+          <p:cNvPr id="19" name="Picture 18"/>
+          <p:cNvPicPr>
+            <a:picLocks noChangeAspect="1"/>
+          </p:cNvPicPr>
+          <p:nvPr/>
+        </p:nvPicPr>
+        <p:blipFill>
+          <a:blip r:embed="rId5" cstate="print">
+            <a:extLst>
+              <a:ext uri="{28A0092B-C50C-407E-A947-70E740481C1C}">
+                <a14:useLocalDpi xmlns:a14="http://schemas.microsoft.com/office/drawing/2010/main" val="0"/>
+              </a:ext>
+            </a:extLst>
+          </a:blip>
+          <a:stretch>
+            <a:fillRect/>
+          </a:stretch>
+        </p:blipFill>
+        <p:spPr>
+          <a:xfrm>
+            <a:off x="15495587" y="15191423"/>
+            <a:ext cx="9437053" cy="1829346"/>
+          </a:xfrm>
+          <a:prstGeom prst="rect">
+            <a:avLst/>
+          </a:prstGeom>
+        </p:spPr>
+      </p:pic>
     </p:spTree>
     <p:extLst>
       <p:ext uri="{BB962C8B-B14F-4D97-AF65-F5344CB8AC3E}">
         <p14:creationId xmlns:p14="http://schemas.microsoft.com/office/powerpoint/2010/main" val="4227999703"/>
-      </p:ext>
-    </p:extLst>
-  </p:cSld>
-  <p:clrMapOvr>
-    <a:masterClrMapping/>
-  </p:clrMapOvr>
-</p:sld>
-</file>
-
-<file path=ppt/slides/slide2.xml><?xml version="1.0" encoding="utf-8"?>
-<p:sld xmlns:a="http://schemas.openxmlformats.org/drawingml/2006/main" xmlns:r="http://schemas.openxmlformats.org/officeDocument/2006/relationships" xmlns:p="http://schemas.openxmlformats.org/presentationml/2006/main">
-  <p:cSld>
-    <p:spTree>
-      <p:nvGrpSpPr>
-        <p:cNvPr id="1" name=""/>
-        <p:cNvGrpSpPr/>
-        <p:nvPr/>
-      </p:nvGrpSpPr>
-      <p:grpSpPr>
-        <a:xfrm>
-          <a:off x="0" y="0"/>
-          <a:ext cx="0" cy="0"/>
-          <a:chOff x="0" y="0"/>
-          <a:chExt cx="0" cy="0"/>
-        </a:xfrm>
-      </p:grpSpPr>
-      <p:sp>
-        <p:nvSpPr>
-          <p:cNvPr id="21" name="Title 20" descr="Poster title&#10;"/>
-          <p:cNvSpPr>
-            <a:spLocks noGrp="1"/>
-          </p:cNvSpPr>
-          <p:nvPr>
-            <p:ph type="title" idx="4294967295"/>
-          </p:nvPr>
-        </p:nvSpPr>
-        <p:spPr>
-          <a:xfrm>
-            <a:off x="1079446" y="1046644"/>
-            <a:ext cx="28129871" cy="1037708"/>
-          </a:xfrm>
-          <a:prstGeom prst="rect">
-            <a:avLst/>
-          </a:prstGeom>
-        </p:spPr>
-        <p:txBody>
-          <a:bodyPr/>
-          <a:lstStyle/>
-          <a:p>
-            <a:endParaRPr lang="en-GB" dirty="0"/>
-          </a:p>
-        </p:txBody>
-      </p:sp>
-      <p:sp>
-        <p:nvSpPr>
-          <p:cNvPr id="22" name="Text Placeholder 21" descr="Authors&#10;"/>
-          <p:cNvSpPr>
-            <a:spLocks noGrp="1"/>
-          </p:cNvSpPr>
-          <p:nvPr>
-            <p:ph type="body" sz="quarter" idx="4294967295"/>
-          </p:nvPr>
-        </p:nvSpPr>
-        <p:spPr>
-          <a:xfrm>
-            <a:off x="1077920" y="2980169"/>
-            <a:ext cx="22983818" cy="816054"/>
-          </a:xfrm>
-          <a:prstGeom prst="rect">
-            <a:avLst/>
-          </a:prstGeom>
-        </p:spPr>
-        <p:txBody>
-          <a:bodyPr/>
-          <a:lstStyle/>
-          <a:p>
-            <a:endParaRPr lang="en-GB" dirty="0"/>
-          </a:p>
-        </p:txBody>
-      </p:sp>
-      <p:sp>
-        <p:nvSpPr>
-          <p:cNvPr id="23" name="Text Placeholder 22" descr="Department or Institution&#10;"/>
-          <p:cNvSpPr>
-            <a:spLocks noGrp="1"/>
-          </p:cNvSpPr>
-          <p:nvPr>
-            <p:ph type="body" sz="quarter" idx="4294967295"/>
-          </p:nvPr>
-        </p:nvSpPr>
-        <p:spPr>
-          <a:xfrm>
-            <a:off x="1091128" y="4540125"/>
-            <a:ext cx="22970610" cy="446192"/>
-          </a:xfrm>
-          <a:prstGeom prst="rect">
-            <a:avLst/>
-          </a:prstGeom>
-        </p:spPr>
-        <p:txBody>
-          <a:bodyPr/>
-          <a:lstStyle/>
-          <a:p>
-            <a:endParaRPr lang="en-GB" dirty="0"/>
-          </a:p>
-        </p:txBody>
-      </p:sp>
-      <p:sp>
-        <p:nvSpPr>
-          <p:cNvPr id="15" name="Text Placeholder 14" descr="Exclusion area"/>
-          <p:cNvSpPr>
-            <a:spLocks noGrp="1"/>
-          </p:cNvSpPr>
-          <p:nvPr>
-            <p:ph type="body" sz="quarter" idx="19"/>
-          </p:nvPr>
-        </p:nvSpPr>
-        <p:spPr/>
-        <p:txBody>
-          <a:bodyPr/>
-          <a:lstStyle/>
-          <a:p>
-            <a:endParaRPr lang="en-GB"/>
-          </a:p>
-        </p:txBody>
-      </p:sp>
-      <p:sp>
-        <p:nvSpPr>
-          <p:cNvPr id="3" name="Content Placeholder 2" descr="Column 1"/>
-          <p:cNvSpPr>
-            <a:spLocks noGrp="1"/>
-          </p:cNvSpPr>
-          <p:nvPr>
-            <p:ph sz="quarter" idx="10"/>
-          </p:nvPr>
-        </p:nvSpPr>
-        <p:spPr/>
-        <p:txBody>
-          <a:bodyPr/>
-          <a:lstStyle/>
-          <a:p>
-            <a:endParaRPr lang="en-GB" dirty="0"/>
-          </a:p>
-        </p:txBody>
-      </p:sp>
-      <p:sp>
-        <p:nvSpPr>
-          <p:cNvPr id="2" name="Content Placeholder 1" descr="Coumn 2"/>
-          <p:cNvSpPr>
-            <a:spLocks noGrp="1"/>
-          </p:cNvSpPr>
-          <p:nvPr>
-            <p:ph sz="quarter" idx="11"/>
-          </p:nvPr>
-        </p:nvSpPr>
-        <p:spPr/>
-        <p:txBody>
-          <a:bodyPr/>
-          <a:lstStyle/>
-          <a:p>
-            <a:endParaRPr lang="en-GB" dirty="0"/>
-          </a:p>
-        </p:txBody>
-      </p:sp>
-      <p:sp>
-        <p:nvSpPr>
-          <p:cNvPr id="28" name="Text Placeholder 27" descr="Contact details"/>
-          <p:cNvSpPr>
-            <a:spLocks noGrp="1"/>
-          </p:cNvSpPr>
-          <p:nvPr>
-            <p:ph type="body" sz="quarter" idx="22"/>
-          </p:nvPr>
-        </p:nvSpPr>
-        <p:spPr/>
-        <p:txBody>
-          <a:bodyPr/>
-          <a:lstStyle/>
-          <a:p>
-            <a:endParaRPr lang="en-GB"/>
-          </a:p>
-        </p:txBody>
-      </p:sp>
-      <p:sp>
-        <p:nvSpPr>
-          <p:cNvPr id="29" name="Text Placeholder 28" descr="Collaborator logos"/>
-          <p:cNvSpPr>
-            <a:spLocks noGrp="1"/>
-          </p:cNvSpPr>
-          <p:nvPr>
-            <p:ph type="body" sz="quarter" idx="23"/>
-          </p:nvPr>
-        </p:nvSpPr>
-        <p:spPr/>
-        <p:txBody>
-          <a:bodyPr/>
-          <a:lstStyle/>
-          <a:p>
-            <a:endParaRPr lang="en-GB" dirty="0"/>
-          </a:p>
-        </p:txBody>
-      </p:sp>
-    </p:spTree>
-    <p:extLst>
-      <p:ext uri="{BB962C8B-B14F-4D97-AF65-F5344CB8AC3E}">
-        <p14:creationId xmlns:p14="http://schemas.microsoft.com/office/powerpoint/2010/main" val="420345641"/>
-      </p:ext>
-    </p:extLst>
-  </p:cSld>
-  <p:clrMapOvr>
-    <a:masterClrMapping/>
-  </p:clrMapOvr>
-</p:sld>
-</file>
-
-<file path=ppt/slides/slide3.xml><?xml version="1.0" encoding="utf-8"?>
-<p:sld xmlns:a="http://schemas.openxmlformats.org/drawingml/2006/main" xmlns:r="http://schemas.openxmlformats.org/officeDocument/2006/relationships" xmlns:p="http://schemas.openxmlformats.org/presentationml/2006/main">
-  <p:cSld>
-    <p:spTree>
-      <p:nvGrpSpPr>
-        <p:cNvPr id="1" name=""/>
-        <p:cNvGrpSpPr/>
-        <p:nvPr/>
-      </p:nvGrpSpPr>
-      <p:grpSpPr>
-        <a:xfrm>
-          <a:off x="0" y="0"/>
-          <a:ext cx="0" cy="0"/>
-          <a:chOff x="0" y="0"/>
-          <a:chExt cx="0" cy="0"/>
-        </a:xfrm>
-      </p:grpSpPr>
-      <p:sp>
-        <p:nvSpPr>
-          <p:cNvPr id="23" name="Title 22" descr="Poster title&#10;"/>
-          <p:cNvSpPr>
-            <a:spLocks noGrp="1"/>
-          </p:cNvSpPr>
-          <p:nvPr>
-            <p:ph type="title"/>
-          </p:nvPr>
-        </p:nvSpPr>
-        <p:spPr>
-          <a:xfrm>
-            <a:off x="1077913" y="1009640"/>
-            <a:ext cx="28117800" cy="967268"/>
-          </a:xfrm>
-          <a:prstGeom prst="rect">
-            <a:avLst/>
-          </a:prstGeom>
-        </p:spPr>
-        <p:txBody>
-          <a:bodyPr/>
-          <a:lstStyle/>
-          <a:p>
-            <a:endParaRPr lang="en-GB" dirty="0"/>
-          </a:p>
-        </p:txBody>
-      </p:sp>
-      <p:sp>
-        <p:nvSpPr>
-          <p:cNvPr id="24" name="Text Placeholder 23" descr="Authors&#10;"/>
-          <p:cNvSpPr>
-            <a:spLocks noGrp="1"/>
-          </p:cNvSpPr>
-          <p:nvPr>
-            <p:ph type="body" sz="quarter" idx="4294967295"/>
-          </p:nvPr>
-        </p:nvSpPr>
-        <p:spPr>
-          <a:xfrm>
-            <a:off x="1077913" y="2957513"/>
-            <a:ext cx="22972712" cy="933450"/>
-          </a:xfrm>
-          <a:prstGeom prst="rect">
-            <a:avLst/>
-          </a:prstGeom>
-        </p:spPr>
-        <p:txBody>
-          <a:bodyPr/>
-          <a:lstStyle/>
-          <a:p>
-            <a:endParaRPr lang="en-GB" dirty="0"/>
-          </a:p>
-        </p:txBody>
-      </p:sp>
-      <p:sp>
-        <p:nvSpPr>
-          <p:cNvPr id="25" name="Text Placeholder 24" descr="Department or Institution&#10;"/>
-          <p:cNvSpPr>
-            <a:spLocks noGrp="1"/>
-          </p:cNvSpPr>
-          <p:nvPr>
-            <p:ph type="body" sz="quarter" idx="4294967295"/>
-          </p:nvPr>
-        </p:nvSpPr>
-        <p:spPr>
-          <a:xfrm>
-            <a:off x="1077913" y="4508500"/>
-            <a:ext cx="22972712" cy="509588"/>
-          </a:xfrm>
-          <a:prstGeom prst="rect">
-            <a:avLst/>
-          </a:prstGeom>
-        </p:spPr>
-        <p:txBody>
-          <a:bodyPr/>
-          <a:lstStyle/>
-          <a:p>
-            <a:endParaRPr lang="en-GB" dirty="0"/>
-          </a:p>
-        </p:txBody>
-      </p:sp>
-      <p:sp>
-        <p:nvSpPr>
-          <p:cNvPr id="17" name="Text Placeholder 16" descr="Exclusion area"/>
-          <p:cNvSpPr>
-            <a:spLocks noGrp="1"/>
-          </p:cNvSpPr>
-          <p:nvPr>
-            <p:ph type="body" sz="quarter" idx="19"/>
-          </p:nvPr>
-        </p:nvSpPr>
-        <p:spPr/>
-        <p:txBody>
-          <a:bodyPr/>
-          <a:lstStyle/>
-          <a:p>
-            <a:endParaRPr lang="en-GB"/>
-          </a:p>
-        </p:txBody>
-      </p:sp>
-      <p:sp>
-        <p:nvSpPr>
-          <p:cNvPr id="2" name="Content Placeholder 1" descr="Column 1, box 1"/>
-          <p:cNvSpPr>
-            <a:spLocks noGrp="1"/>
-          </p:cNvSpPr>
-          <p:nvPr>
-            <p:ph sz="quarter" idx="10"/>
-          </p:nvPr>
-        </p:nvSpPr>
-        <p:spPr/>
-        <p:txBody>
-          <a:bodyPr/>
-          <a:lstStyle/>
-          <a:p>
-            <a:endParaRPr lang="en-GB"/>
-          </a:p>
-        </p:txBody>
-      </p:sp>
-      <p:sp>
-        <p:nvSpPr>
-          <p:cNvPr id="4" name="Content Placeholder 3" descr="Column 1, box 2"/>
-          <p:cNvSpPr>
-            <a:spLocks noGrp="1"/>
-          </p:cNvSpPr>
-          <p:nvPr>
-            <p:ph sz="quarter" idx="12"/>
-          </p:nvPr>
-        </p:nvSpPr>
-        <p:spPr/>
-        <p:txBody>
-          <a:bodyPr/>
-          <a:lstStyle/>
-          <a:p>
-            <a:endParaRPr lang="en-GB"/>
-          </a:p>
-        </p:txBody>
-      </p:sp>
-      <p:sp>
-        <p:nvSpPr>
-          <p:cNvPr id="3" name="Content Placeholder 2" descr="Column 2, box 1"/>
-          <p:cNvSpPr>
-            <a:spLocks noGrp="1"/>
-          </p:cNvSpPr>
-          <p:nvPr>
-            <p:ph sz="quarter" idx="11"/>
-          </p:nvPr>
-        </p:nvSpPr>
-        <p:spPr/>
-        <p:txBody>
-          <a:bodyPr/>
-          <a:lstStyle/>
-          <a:p>
-            <a:endParaRPr lang="en-GB"/>
-          </a:p>
-        </p:txBody>
-      </p:sp>
-      <p:sp>
-        <p:nvSpPr>
-          <p:cNvPr id="5" name="Content Placeholder 4" descr="Column 2, box 2"/>
-          <p:cNvSpPr>
-            <a:spLocks noGrp="1"/>
-          </p:cNvSpPr>
-          <p:nvPr>
-            <p:ph sz="quarter" idx="13"/>
-          </p:nvPr>
-        </p:nvSpPr>
-        <p:spPr/>
-        <p:txBody>
-          <a:bodyPr/>
-          <a:lstStyle/>
-          <a:p>
-            <a:endParaRPr lang="en-GB"/>
-          </a:p>
-        </p:txBody>
-      </p:sp>
-      <p:sp>
-        <p:nvSpPr>
-          <p:cNvPr id="28" name="Text Placeholder 27" descr="Contact details"/>
-          <p:cNvSpPr>
-            <a:spLocks noGrp="1"/>
-          </p:cNvSpPr>
-          <p:nvPr>
-            <p:ph type="body" sz="quarter" idx="22"/>
-          </p:nvPr>
-        </p:nvSpPr>
-        <p:spPr/>
-        <p:txBody>
-          <a:bodyPr/>
-          <a:lstStyle/>
-          <a:p>
-            <a:endParaRPr lang="en-GB"/>
-          </a:p>
-        </p:txBody>
-      </p:sp>
-      <p:sp>
-        <p:nvSpPr>
-          <p:cNvPr id="29" name="Text Placeholder 28" descr="Collaborator logos"/>
-          <p:cNvSpPr>
-            <a:spLocks noGrp="1"/>
-          </p:cNvSpPr>
-          <p:nvPr>
-            <p:ph type="body" sz="quarter" idx="23"/>
-          </p:nvPr>
-        </p:nvSpPr>
-        <p:spPr/>
-        <p:txBody>
-          <a:bodyPr/>
-          <a:lstStyle/>
-          <a:p>
-            <a:endParaRPr lang="en-GB"/>
-          </a:p>
-        </p:txBody>
-      </p:sp>
-    </p:spTree>
-    <p:extLst>
-      <p:ext uri="{BB962C8B-B14F-4D97-AF65-F5344CB8AC3E}">
-        <p14:creationId xmlns:p14="http://schemas.microsoft.com/office/powerpoint/2010/main" val="955778681"/>
-      </p:ext>
-    </p:extLst>
-  </p:cSld>
-  <p:clrMapOvr>
-    <a:masterClrMapping/>
-  </p:clrMapOvr>
-</p:sld>
-</file>
-
-<file path=ppt/slides/slide4.xml><?xml version="1.0" encoding="utf-8"?>
-<p:sld xmlns:a="http://schemas.openxmlformats.org/drawingml/2006/main" xmlns:r="http://schemas.openxmlformats.org/officeDocument/2006/relationships" xmlns:p="http://schemas.openxmlformats.org/presentationml/2006/main">
-  <p:cSld>
-    <p:spTree>
-      <p:nvGrpSpPr>
-        <p:cNvPr id="1" name=""/>
-        <p:cNvGrpSpPr/>
-        <p:nvPr/>
-      </p:nvGrpSpPr>
-      <p:grpSpPr>
-        <a:xfrm>
-          <a:off x="0" y="0"/>
-          <a:ext cx="0" cy="0"/>
-          <a:chOff x="0" y="0"/>
-          <a:chExt cx="0" cy="0"/>
-        </a:xfrm>
-      </p:grpSpPr>
-      <p:sp>
-        <p:nvSpPr>
-          <p:cNvPr id="8" name="Title 7" descr="Poster title"/>
-          <p:cNvSpPr>
-            <a:spLocks noGrp="1"/>
-          </p:cNvSpPr>
-          <p:nvPr>
-            <p:ph type="title"/>
-          </p:nvPr>
-        </p:nvSpPr>
-        <p:spPr>
-          <a:xfrm>
-            <a:off x="1077914" y="1018104"/>
-            <a:ext cx="28119092" cy="935518"/>
-          </a:xfrm>
-          <a:prstGeom prst="rect">
-            <a:avLst/>
-          </a:prstGeom>
-        </p:spPr>
-        <p:txBody>
-          <a:bodyPr/>
-          <a:lstStyle/>
-          <a:p>
-            <a:endParaRPr lang="en-GB"/>
-          </a:p>
-        </p:txBody>
-      </p:sp>
-      <p:sp>
-        <p:nvSpPr>
-          <p:cNvPr id="16" name="Text Placeholder 15" descr="Authors"/>
-          <p:cNvSpPr>
-            <a:spLocks noGrp="1"/>
-          </p:cNvSpPr>
-          <p:nvPr>
-            <p:ph type="body" sz="quarter" idx="4294967295"/>
-          </p:nvPr>
-        </p:nvSpPr>
-        <p:spPr>
-          <a:xfrm>
-            <a:off x="1077913" y="2957513"/>
-            <a:ext cx="22983825" cy="752589"/>
-          </a:xfrm>
-          <a:prstGeom prst="rect">
-            <a:avLst/>
-          </a:prstGeom>
-        </p:spPr>
-        <p:txBody>
-          <a:bodyPr/>
-          <a:lstStyle/>
-          <a:p>
-            <a:endParaRPr lang="en-GB"/>
-          </a:p>
-        </p:txBody>
-      </p:sp>
-      <p:sp>
-        <p:nvSpPr>
-          <p:cNvPr id="17" name="Text Placeholder 16" descr="Department or Institution"/>
-          <p:cNvSpPr>
-            <a:spLocks noGrp="1"/>
-          </p:cNvSpPr>
-          <p:nvPr>
-            <p:ph type="body" sz="quarter" idx="4294967295"/>
-          </p:nvPr>
-        </p:nvSpPr>
-        <p:spPr>
-          <a:xfrm>
-            <a:off x="1077913" y="4498015"/>
-            <a:ext cx="22983825" cy="538163"/>
-          </a:xfrm>
-          <a:prstGeom prst="rect">
-            <a:avLst/>
-          </a:prstGeom>
-        </p:spPr>
-        <p:txBody>
-          <a:bodyPr/>
-          <a:lstStyle/>
-          <a:p>
-            <a:endParaRPr lang="en-GB"/>
-          </a:p>
-        </p:txBody>
-      </p:sp>
-      <p:sp>
-        <p:nvSpPr>
-          <p:cNvPr id="15" name="Text Placeholder 14" descr="Exclusion area"/>
-          <p:cNvSpPr>
-            <a:spLocks noGrp="1"/>
-          </p:cNvSpPr>
-          <p:nvPr>
-            <p:ph type="body" sz="quarter" idx="19"/>
-          </p:nvPr>
-        </p:nvSpPr>
-        <p:spPr/>
-        <p:txBody>
-          <a:bodyPr/>
-          <a:lstStyle/>
-          <a:p>
-            <a:endParaRPr lang="en-GB"/>
-          </a:p>
-        </p:txBody>
-      </p:sp>
-      <p:sp>
-        <p:nvSpPr>
-          <p:cNvPr id="30" name="Content Placeholder 29" descr="Box 1 "/>
-          <p:cNvSpPr>
-            <a:spLocks noGrp="1"/>
-          </p:cNvSpPr>
-          <p:nvPr>
-            <p:ph sz="quarter" idx="25"/>
-          </p:nvPr>
-        </p:nvSpPr>
-        <p:spPr/>
-        <p:txBody>
-          <a:bodyPr/>
-          <a:lstStyle/>
-          <a:p>
-            <a:endParaRPr lang="en-GB"/>
-          </a:p>
-        </p:txBody>
-      </p:sp>
-      <p:sp>
-        <p:nvSpPr>
-          <p:cNvPr id="9" name="Content Placeholder 8" descr="Column 1, box 1"/>
-          <p:cNvSpPr>
-            <a:spLocks noGrp="1"/>
-          </p:cNvSpPr>
-          <p:nvPr>
-            <p:ph sz="quarter" idx="11"/>
-          </p:nvPr>
-        </p:nvSpPr>
-        <p:spPr/>
-        <p:txBody>
-          <a:bodyPr/>
-          <a:lstStyle/>
-          <a:p>
-            <a:endParaRPr lang="en-GB"/>
-          </a:p>
-        </p:txBody>
-      </p:sp>
-      <p:sp>
-        <p:nvSpPr>
-          <p:cNvPr id="11" name="Content Placeholder 10" descr="Column 1, box 2"/>
-          <p:cNvSpPr>
-            <a:spLocks noGrp="1"/>
-          </p:cNvSpPr>
-          <p:nvPr>
-            <p:ph sz="quarter" idx="13"/>
-          </p:nvPr>
-        </p:nvSpPr>
-        <p:spPr/>
-        <p:txBody>
-          <a:bodyPr/>
-          <a:lstStyle/>
-          <a:p>
-            <a:endParaRPr lang="en-GB" dirty="0"/>
-          </a:p>
-        </p:txBody>
-      </p:sp>
-      <p:sp>
-        <p:nvSpPr>
-          <p:cNvPr id="10" name="Content Placeholder 9" descr="Column 2, box 1"/>
-          <p:cNvSpPr>
-            <a:spLocks noGrp="1"/>
-          </p:cNvSpPr>
-          <p:nvPr>
-            <p:ph sz="quarter" idx="12"/>
-          </p:nvPr>
-        </p:nvSpPr>
-        <p:spPr/>
-        <p:txBody>
-          <a:bodyPr/>
-          <a:lstStyle/>
-          <a:p>
-            <a:endParaRPr lang="en-GB"/>
-          </a:p>
-        </p:txBody>
-      </p:sp>
-      <p:sp>
-        <p:nvSpPr>
-          <p:cNvPr id="14" name="Content Placeholder 13" descr="Column 2, box 2"/>
-          <p:cNvSpPr>
-            <a:spLocks noGrp="1"/>
-          </p:cNvSpPr>
-          <p:nvPr>
-            <p:ph sz="quarter" idx="14"/>
-          </p:nvPr>
-        </p:nvSpPr>
-        <p:spPr/>
-        <p:txBody>
-          <a:bodyPr/>
-          <a:lstStyle/>
-          <a:p>
-            <a:endParaRPr lang="en-GB" dirty="0"/>
-          </a:p>
-        </p:txBody>
-      </p:sp>
-      <p:sp>
-        <p:nvSpPr>
-          <p:cNvPr id="29" name="Content Placeholder 28" descr="Box 2"/>
-          <p:cNvSpPr>
-            <a:spLocks noGrp="1"/>
-          </p:cNvSpPr>
-          <p:nvPr>
-            <p:ph sz="quarter" idx="26"/>
-          </p:nvPr>
-        </p:nvSpPr>
-        <p:spPr/>
-        <p:txBody>
-          <a:bodyPr/>
-          <a:lstStyle/>
-          <a:p>
-            <a:endParaRPr lang="en-GB"/>
-          </a:p>
-        </p:txBody>
-      </p:sp>
-      <p:sp>
-        <p:nvSpPr>
-          <p:cNvPr id="24" name="Text Placeholder 23" descr="Contact details"/>
-          <p:cNvSpPr>
-            <a:spLocks noGrp="1"/>
-          </p:cNvSpPr>
-          <p:nvPr>
-            <p:ph type="body" sz="quarter" idx="23"/>
-          </p:nvPr>
-        </p:nvSpPr>
-        <p:spPr/>
-        <p:txBody>
-          <a:bodyPr/>
-          <a:lstStyle/>
-          <a:p>
-            <a:endParaRPr lang="en-GB"/>
-          </a:p>
-        </p:txBody>
-      </p:sp>
-      <p:sp>
-        <p:nvSpPr>
-          <p:cNvPr id="25" name="Text Placeholder 24" descr="Collaborator logos"/>
-          <p:cNvSpPr>
-            <a:spLocks noGrp="1"/>
-          </p:cNvSpPr>
-          <p:nvPr>
-            <p:ph type="body" sz="quarter" idx="24"/>
-          </p:nvPr>
-        </p:nvSpPr>
-        <p:spPr/>
-        <p:txBody>
-          <a:bodyPr/>
-          <a:lstStyle/>
-          <a:p>
-            <a:endParaRPr lang="en-GB"/>
-          </a:p>
-        </p:txBody>
-      </p:sp>
-    </p:spTree>
-    <p:extLst>
-      <p:ext uri="{BB962C8B-B14F-4D97-AF65-F5344CB8AC3E}">
-        <p14:creationId xmlns:p14="http://schemas.microsoft.com/office/powerpoint/2010/main" val="1080179683"/>
-      </p:ext>
-    </p:extLst>
-  </p:cSld>
-  <p:clrMapOvr>
-    <a:masterClrMapping/>
-  </p:clrMapOvr>
-</p:sld>
-</file>
-
-<file path=ppt/slides/slide5.xml><?xml version="1.0" encoding="utf-8"?>
-<p:sld xmlns:a="http://schemas.openxmlformats.org/drawingml/2006/main" xmlns:r="http://schemas.openxmlformats.org/officeDocument/2006/relationships" xmlns:p="http://schemas.openxmlformats.org/presentationml/2006/main">
-  <p:cSld>
-    <p:spTree>
-      <p:nvGrpSpPr>
-        <p:cNvPr id="1" name=""/>
-        <p:cNvGrpSpPr/>
-        <p:nvPr/>
-      </p:nvGrpSpPr>
-      <p:grpSpPr>
-        <a:xfrm>
-          <a:off x="0" y="0"/>
-          <a:ext cx="0" cy="0"/>
-          <a:chOff x="0" y="0"/>
-          <a:chExt cx="0" cy="0"/>
-        </a:xfrm>
-      </p:grpSpPr>
-      <p:sp>
-        <p:nvSpPr>
-          <p:cNvPr id="25" name="Title 24" descr="Poster title&#10;"/>
-          <p:cNvSpPr>
-            <a:spLocks noGrp="1"/>
-          </p:cNvSpPr>
-          <p:nvPr>
-            <p:ph type="title"/>
-          </p:nvPr>
-        </p:nvSpPr>
-        <p:spPr>
-          <a:xfrm>
-            <a:off x="1077913" y="1005645"/>
-            <a:ext cx="28117800" cy="967268"/>
-          </a:xfrm>
-          <a:prstGeom prst="rect">
-            <a:avLst/>
-          </a:prstGeom>
-        </p:spPr>
-        <p:txBody>
-          <a:bodyPr/>
-          <a:lstStyle/>
-          <a:p>
-            <a:endParaRPr lang="en-GB" dirty="0"/>
-          </a:p>
-        </p:txBody>
-      </p:sp>
-      <p:sp>
-        <p:nvSpPr>
-          <p:cNvPr id="26" name="Text Placeholder 25" descr="Authors&#10;"/>
-          <p:cNvSpPr>
-            <a:spLocks noGrp="1"/>
-          </p:cNvSpPr>
-          <p:nvPr>
-            <p:ph type="body" sz="quarter" idx="4294967295"/>
-          </p:nvPr>
-        </p:nvSpPr>
-        <p:spPr>
-          <a:xfrm>
-            <a:off x="1089025" y="2957513"/>
-            <a:ext cx="22972713" cy="720725"/>
-          </a:xfrm>
-          <a:prstGeom prst="rect">
-            <a:avLst/>
-          </a:prstGeom>
-        </p:spPr>
-        <p:txBody>
-          <a:bodyPr/>
-          <a:lstStyle/>
-          <a:p>
-            <a:endParaRPr lang="en-GB" dirty="0"/>
-          </a:p>
-        </p:txBody>
-      </p:sp>
-      <p:sp>
-        <p:nvSpPr>
-          <p:cNvPr id="27" name="Text Placeholder 26" descr="Department or Institution&#10;"/>
-          <p:cNvSpPr>
-            <a:spLocks noGrp="1"/>
-          </p:cNvSpPr>
-          <p:nvPr>
-            <p:ph type="body" sz="quarter" idx="4294967295"/>
-          </p:nvPr>
-        </p:nvSpPr>
-        <p:spPr>
-          <a:xfrm>
-            <a:off x="1111250" y="4508500"/>
-            <a:ext cx="22950488" cy="509588"/>
-          </a:xfrm>
-          <a:prstGeom prst="rect">
-            <a:avLst/>
-          </a:prstGeom>
-        </p:spPr>
-        <p:txBody>
-          <a:bodyPr/>
-          <a:lstStyle/>
-          <a:p>
-            <a:endParaRPr lang="en-GB" dirty="0"/>
-          </a:p>
-        </p:txBody>
-      </p:sp>
-      <p:sp>
-        <p:nvSpPr>
-          <p:cNvPr id="19" name="Text Placeholder 18" descr="Exclusion area"/>
-          <p:cNvSpPr>
-            <a:spLocks noGrp="1"/>
-          </p:cNvSpPr>
-          <p:nvPr>
-            <p:ph type="body" sz="quarter" idx="19"/>
-          </p:nvPr>
-        </p:nvSpPr>
-        <p:spPr/>
-        <p:txBody>
-          <a:bodyPr/>
-          <a:lstStyle/>
-          <a:p>
-            <a:endParaRPr lang="en-GB"/>
-          </a:p>
-        </p:txBody>
-      </p:sp>
-      <p:sp>
-        <p:nvSpPr>
-          <p:cNvPr id="7" name="Content Placeholder 6" descr="Box 1"/>
-          <p:cNvSpPr>
-            <a:spLocks noGrp="1"/>
-          </p:cNvSpPr>
-          <p:nvPr>
-            <p:ph sz="quarter" idx="25"/>
-          </p:nvPr>
-        </p:nvSpPr>
-        <p:spPr/>
-        <p:txBody>
-          <a:bodyPr/>
-          <a:lstStyle/>
-          <a:p>
-            <a:endParaRPr lang="en-GB"/>
-          </a:p>
-        </p:txBody>
-      </p:sp>
-      <p:sp>
-        <p:nvSpPr>
-          <p:cNvPr id="3" name="Content Placeholder 2" descr="Column 1, box 1"/>
-          <p:cNvSpPr>
-            <a:spLocks noGrp="1"/>
-          </p:cNvSpPr>
-          <p:nvPr>
-            <p:ph sz="quarter" idx="11"/>
-          </p:nvPr>
-        </p:nvSpPr>
-        <p:spPr/>
-        <p:txBody>
-          <a:bodyPr/>
-          <a:lstStyle/>
-          <a:p>
-            <a:endParaRPr lang="en-GB"/>
-          </a:p>
-        </p:txBody>
-      </p:sp>
-      <p:sp>
-        <p:nvSpPr>
-          <p:cNvPr id="5" name="Content Placeholder 4" descr="Column 1, box 2"/>
-          <p:cNvSpPr>
-            <a:spLocks noGrp="1"/>
-          </p:cNvSpPr>
-          <p:nvPr>
-            <p:ph sz="quarter" idx="12"/>
-          </p:nvPr>
-        </p:nvSpPr>
-        <p:spPr/>
-        <p:txBody>
-          <a:bodyPr/>
-          <a:lstStyle/>
-          <a:p>
-            <a:endParaRPr lang="en-GB"/>
-          </a:p>
-        </p:txBody>
-      </p:sp>
-      <p:sp>
-        <p:nvSpPr>
-          <p:cNvPr id="4" name="Content Placeholder 3" descr="Column 2, box 1"/>
-          <p:cNvSpPr>
-            <a:spLocks noGrp="1"/>
-          </p:cNvSpPr>
-          <p:nvPr>
-            <p:ph sz="quarter" idx="13"/>
-          </p:nvPr>
-        </p:nvSpPr>
-        <p:spPr/>
-        <p:txBody>
-          <a:bodyPr/>
-          <a:lstStyle/>
-          <a:p>
-            <a:endParaRPr lang="en-GB"/>
-          </a:p>
-        </p:txBody>
-      </p:sp>
-      <p:sp>
-        <p:nvSpPr>
-          <p:cNvPr id="8" name="Content Placeholder 7" descr="Column 2, box 2"/>
-          <p:cNvSpPr>
-            <a:spLocks noGrp="1"/>
-          </p:cNvSpPr>
-          <p:nvPr>
-            <p:ph sz="quarter" idx="26"/>
-          </p:nvPr>
-        </p:nvSpPr>
-        <p:spPr/>
-        <p:txBody>
-          <a:bodyPr/>
-          <a:lstStyle/>
-          <a:p>
-            <a:endParaRPr lang="en-GB"/>
-          </a:p>
-        </p:txBody>
-      </p:sp>
-      <p:sp>
-        <p:nvSpPr>
-          <p:cNvPr id="30" name="Text Placeholder 29" descr="Contact details"/>
-          <p:cNvSpPr>
-            <a:spLocks noGrp="1"/>
-          </p:cNvSpPr>
-          <p:nvPr>
-            <p:ph type="body" sz="quarter" idx="23"/>
-          </p:nvPr>
-        </p:nvSpPr>
-        <p:spPr/>
-        <p:txBody>
-          <a:bodyPr/>
-          <a:lstStyle/>
-          <a:p>
-            <a:endParaRPr lang="en-GB"/>
-          </a:p>
-        </p:txBody>
-      </p:sp>
-      <p:sp>
-        <p:nvSpPr>
-          <p:cNvPr id="31" name="Text Placeholder 30" descr="Collaborator logos"/>
-          <p:cNvSpPr>
-            <a:spLocks noGrp="1"/>
-          </p:cNvSpPr>
-          <p:nvPr>
-            <p:ph type="body" sz="quarter" idx="24"/>
-          </p:nvPr>
-        </p:nvSpPr>
-        <p:spPr/>
-        <p:txBody>
-          <a:bodyPr/>
-          <a:lstStyle/>
-          <a:p>
-            <a:endParaRPr lang="en-GB"/>
-          </a:p>
-        </p:txBody>
-      </p:sp>
-    </p:spTree>
-    <p:extLst>
-      <p:ext uri="{BB962C8B-B14F-4D97-AF65-F5344CB8AC3E}">
-        <p14:creationId xmlns:p14="http://schemas.microsoft.com/office/powerpoint/2010/main" val="4082340992"/>
-      </p:ext>
-    </p:extLst>
-  </p:cSld>
-  <p:clrMapOvr>
-    <a:masterClrMapping/>
-  </p:clrMapOvr>
-</p:sld>
-</file>
-
-<file path=ppt/slides/slide6.xml><?xml version="1.0" encoding="utf-8"?>
-<p:sld xmlns:a="http://schemas.openxmlformats.org/drawingml/2006/main" xmlns:r="http://schemas.openxmlformats.org/officeDocument/2006/relationships" xmlns:p="http://schemas.openxmlformats.org/presentationml/2006/main">
-  <p:cSld>
-    <p:spTree>
-      <p:nvGrpSpPr>
-        <p:cNvPr id="1" name=""/>
-        <p:cNvGrpSpPr/>
-        <p:nvPr/>
-      </p:nvGrpSpPr>
-      <p:grpSpPr>
-        <a:xfrm>
-          <a:off x="0" y="0"/>
-          <a:ext cx="0" cy="0"/>
-          <a:chOff x="0" y="0"/>
-          <a:chExt cx="0" cy="0"/>
-        </a:xfrm>
-      </p:grpSpPr>
-      <p:sp>
-        <p:nvSpPr>
-          <p:cNvPr id="24" name="Title 23" descr="Poster title&#10;"/>
-          <p:cNvSpPr>
-            <a:spLocks noGrp="1"/>
-          </p:cNvSpPr>
-          <p:nvPr>
-            <p:ph type="title"/>
-          </p:nvPr>
-        </p:nvSpPr>
-        <p:spPr>
-          <a:xfrm>
-            <a:off x="1077913" y="999837"/>
-            <a:ext cx="28111043" cy="979288"/>
-          </a:xfrm>
-          <a:prstGeom prst="rect">
-            <a:avLst/>
-          </a:prstGeom>
-        </p:spPr>
-        <p:txBody>
-          <a:bodyPr/>
-          <a:lstStyle/>
-          <a:p>
-            <a:endParaRPr lang="en-GB" dirty="0"/>
-          </a:p>
-        </p:txBody>
-      </p:sp>
-      <p:sp>
-        <p:nvSpPr>
-          <p:cNvPr id="25" name="Text Placeholder 24" descr="Authors&#10;"/>
-          <p:cNvSpPr>
-            <a:spLocks noGrp="1"/>
-          </p:cNvSpPr>
-          <p:nvPr>
-            <p:ph type="body" sz="quarter" idx="4294967295"/>
-          </p:nvPr>
-        </p:nvSpPr>
-        <p:spPr>
-          <a:xfrm>
-            <a:off x="1077913" y="2957513"/>
-            <a:ext cx="22983825" cy="720725"/>
-          </a:xfrm>
-          <a:prstGeom prst="rect">
-            <a:avLst/>
-          </a:prstGeom>
-        </p:spPr>
-        <p:txBody>
-          <a:bodyPr/>
-          <a:lstStyle/>
-          <a:p>
-            <a:endParaRPr lang="en-GB" dirty="0"/>
-          </a:p>
-        </p:txBody>
-      </p:sp>
-      <p:sp>
-        <p:nvSpPr>
-          <p:cNvPr id="26" name="Text Placeholder 25" descr="Department or Institution&#10;"/>
-          <p:cNvSpPr>
-            <a:spLocks noGrp="1"/>
-          </p:cNvSpPr>
-          <p:nvPr>
-            <p:ph type="body" sz="quarter" idx="4294967295"/>
-          </p:nvPr>
-        </p:nvSpPr>
-        <p:spPr>
-          <a:xfrm>
-            <a:off x="1077913" y="4508500"/>
-            <a:ext cx="22983825" cy="509588"/>
-          </a:xfrm>
-          <a:prstGeom prst="rect">
-            <a:avLst/>
-          </a:prstGeom>
-        </p:spPr>
-        <p:txBody>
-          <a:bodyPr/>
-          <a:lstStyle/>
-          <a:p>
-            <a:endParaRPr lang="en-GB" dirty="0"/>
-          </a:p>
-        </p:txBody>
-      </p:sp>
-      <p:sp>
-        <p:nvSpPr>
-          <p:cNvPr id="20" name="Text Placeholder 19" descr="Exclusion area"/>
-          <p:cNvSpPr>
-            <a:spLocks noGrp="1"/>
-          </p:cNvSpPr>
-          <p:nvPr>
-            <p:ph type="body" sz="quarter" idx="19"/>
-          </p:nvPr>
-        </p:nvSpPr>
-        <p:spPr/>
-        <p:txBody>
-          <a:bodyPr/>
-          <a:lstStyle/>
-          <a:p>
-            <a:endParaRPr lang="en-GB"/>
-          </a:p>
-        </p:txBody>
-      </p:sp>
-      <p:sp>
-        <p:nvSpPr>
-          <p:cNvPr id="2" name="Content Placeholder 1" descr="Box 1"/>
-          <p:cNvSpPr>
-            <a:spLocks noGrp="1"/>
-          </p:cNvSpPr>
-          <p:nvPr>
-            <p:ph sz="quarter" idx="16"/>
-          </p:nvPr>
-        </p:nvSpPr>
-        <p:spPr/>
-        <p:txBody>
-          <a:bodyPr/>
-          <a:lstStyle/>
-          <a:p>
-            <a:endParaRPr lang="en-GB"/>
-          </a:p>
-        </p:txBody>
-      </p:sp>
-      <p:sp>
-        <p:nvSpPr>
-          <p:cNvPr id="3" name="Content Placeholder 2" descr="Box 2"/>
-          <p:cNvSpPr>
-            <a:spLocks noGrp="1"/>
-          </p:cNvSpPr>
-          <p:nvPr>
-            <p:ph sz="quarter" idx="12"/>
-          </p:nvPr>
-        </p:nvSpPr>
-        <p:spPr/>
-        <p:txBody>
-          <a:bodyPr/>
-          <a:lstStyle/>
-          <a:p>
-            <a:endParaRPr lang="en-GB"/>
-          </a:p>
-        </p:txBody>
-      </p:sp>
-      <p:sp>
-        <p:nvSpPr>
-          <p:cNvPr id="4" name="Content Placeholder 3" descr="Box 3"/>
-          <p:cNvSpPr>
-            <a:spLocks noGrp="1"/>
-          </p:cNvSpPr>
-          <p:nvPr>
-            <p:ph sz="quarter" idx="13"/>
-          </p:nvPr>
-        </p:nvSpPr>
-        <p:spPr/>
-        <p:txBody>
-          <a:bodyPr/>
-          <a:lstStyle/>
-          <a:p>
-            <a:endParaRPr lang="en-GB"/>
-          </a:p>
-        </p:txBody>
-      </p:sp>
-      <p:sp>
-        <p:nvSpPr>
-          <p:cNvPr id="5" name="Content Placeholder 4" descr="Box 4"/>
-          <p:cNvSpPr>
-            <a:spLocks noGrp="1"/>
-          </p:cNvSpPr>
-          <p:nvPr>
-            <p:ph sz="quarter" idx="14"/>
-          </p:nvPr>
-        </p:nvSpPr>
-        <p:spPr/>
-        <p:txBody>
-          <a:bodyPr/>
-          <a:lstStyle/>
-          <a:p>
-            <a:endParaRPr lang="en-GB" dirty="0"/>
-          </a:p>
-        </p:txBody>
-      </p:sp>
-      <p:sp>
-        <p:nvSpPr>
-          <p:cNvPr id="6" name="Content Placeholder 5" descr="Box 5"/>
-          <p:cNvSpPr>
-            <a:spLocks noGrp="1"/>
-          </p:cNvSpPr>
-          <p:nvPr>
-            <p:ph sz="quarter" idx="17"/>
-          </p:nvPr>
-        </p:nvSpPr>
-        <p:spPr/>
-        <p:txBody>
-          <a:bodyPr/>
-          <a:lstStyle/>
-          <a:p>
-            <a:endParaRPr lang="en-GB"/>
-          </a:p>
-        </p:txBody>
-      </p:sp>
-      <p:sp>
-        <p:nvSpPr>
-          <p:cNvPr id="7" name="Content Placeholder 6" descr="Box 6"/>
-          <p:cNvSpPr>
-            <a:spLocks noGrp="1"/>
-          </p:cNvSpPr>
-          <p:nvPr>
-            <p:ph sz="quarter" idx="18"/>
-          </p:nvPr>
-        </p:nvSpPr>
-        <p:spPr/>
-        <p:txBody>
-          <a:bodyPr/>
-          <a:lstStyle/>
-          <a:p>
-            <a:endParaRPr lang="en-GB"/>
-          </a:p>
-        </p:txBody>
-      </p:sp>
-      <p:sp>
-        <p:nvSpPr>
-          <p:cNvPr id="29" name="Text Placeholder 28" descr="Contact details"/>
-          <p:cNvSpPr>
-            <a:spLocks noGrp="1"/>
-          </p:cNvSpPr>
-          <p:nvPr>
-            <p:ph type="body" sz="quarter" idx="22"/>
-          </p:nvPr>
-        </p:nvSpPr>
-        <p:spPr/>
-        <p:txBody>
-          <a:bodyPr/>
-          <a:lstStyle/>
-          <a:p>
-            <a:endParaRPr lang="en-GB"/>
-          </a:p>
-        </p:txBody>
-      </p:sp>
-      <p:sp>
-        <p:nvSpPr>
-          <p:cNvPr id="30" name="Text Placeholder 29" descr="Collaborator logos"/>
-          <p:cNvSpPr>
-            <a:spLocks noGrp="1"/>
-          </p:cNvSpPr>
-          <p:nvPr>
-            <p:ph type="body" sz="quarter" idx="23"/>
-          </p:nvPr>
-        </p:nvSpPr>
-        <p:spPr/>
-        <p:txBody>
-          <a:bodyPr/>
-          <a:lstStyle/>
-          <a:p>
-            <a:endParaRPr lang="en-GB"/>
-          </a:p>
-        </p:txBody>
-      </p:sp>
-    </p:spTree>
-    <p:extLst>
-      <p:ext uri="{BB962C8B-B14F-4D97-AF65-F5344CB8AC3E}">
-        <p14:creationId xmlns:p14="http://schemas.microsoft.com/office/powerpoint/2010/main" val="2299338079"/>
-      </p:ext>
-    </p:extLst>
-  </p:cSld>
-  <p:clrMapOvr>
-    <a:masterClrMapping/>
-  </p:clrMapOvr>
-</p:sld>
-</file>
-
-<file path=ppt/slides/slide7.xml><?xml version="1.0" encoding="utf-8"?>
-<p:sld xmlns:a="http://schemas.openxmlformats.org/drawingml/2006/main" xmlns:r="http://schemas.openxmlformats.org/officeDocument/2006/relationships" xmlns:p="http://schemas.openxmlformats.org/presentationml/2006/main">
-  <p:cSld>
-    <p:spTree>
-      <p:nvGrpSpPr>
-        <p:cNvPr id="1" name=""/>
-        <p:cNvGrpSpPr/>
-        <p:nvPr/>
-      </p:nvGrpSpPr>
-      <p:grpSpPr>
-        <a:xfrm>
-          <a:off x="0" y="0"/>
-          <a:ext cx="0" cy="0"/>
-          <a:chOff x="0" y="0"/>
-          <a:chExt cx="0" cy="0"/>
-        </a:xfrm>
-      </p:grpSpPr>
-      <p:sp>
-        <p:nvSpPr>
-          <p:cNvPr id="19" name="Title 1" descr="Poster title"/>
-          <p:cNvSpPr>
-            <a:spLocks noGrp="1"/>
-          </p:cNvSpPr>
-          <p:nvPr>
-            <p:ph type="title"/>
-          </p:nvPr>
-        </p:nvSpPr>
-        <p:spPr>
-          <a:xfrm>
-            <a:off x="1077913" y="1032569"/>
-            <a:ext cx="28117800" cy="1110677"/>
-          </a:xfrm>
-          <a:prstGeom prst="rect">
-            <a:avLst/>
-          </a:prstGeom>
-        </p:spPr>
-        <p:txBody>
-          <a:bodyPr/>
-          <a:lstStyle>
-            <a:lvl1pPr>
-              <a:defRPr sz="7200" b="1" baseline="0">
-                <a:solidFill>
-                  <a:schemeClr val="bg1"/>
-                </a:solidFill>
-              </a:defRPr>
-            </a:lvl1pPr>
-          </a:lstStyle>
-          <a:p>
-            <a:r>
-              <a:rPr lang="en-US" dirty="0"/>
-              <a:t>Click to add title – Arial bold 72pt</a:t>
-            </a:r>
-            <a:endParaRPr lang="en-GB" dirty="0"/>
-          </a:p>
-        </p:txBody>
-      </p:sp>
-      <p:sp>
-        <p:nvSpPr>
-          <p:cNvPr id="7" name="Text Placeholder 6" descr="Authors"/>
-          <p:cNvSpPr>
-            <a:spLocks noGrp="1"/>
-          </p:cNvSpPr>
-          <p:nvPr>
-            <p:ph type="body" sz="quarter" idx="4294967295"/>
-          </p:nvPr>
-        </p:nvSpPr>
-        <p:spPr>
-          <a:xfrm>
-            <a:off x="1077913" y="2968625"/>
-            <a:ext cx="22983825" cy="731505"/>
-          </a:xfrm>
-          <a:prstGeom prst="rect">
-            <a:avLst/>
-          </a:prstGeom>
-        </p:spPr>
-        <p:txBody>
-          <a:bodyPr/>
-          <a:lstStyle/>
-          <a:p>
-            <a:endParaRPr lang="en-GB"/>
-          </a:p>
-        </p:txBody>
-      </p:sp>
-      <p:sp>
-        <p:nvSpPr>
-          <p:cNvPr id="8" name="Text Placeholder 7" descr="Department or Institution"/>
-          <p:cNvSpPr>
-            <a:spLocks noGrp="1"/>
-          </p:cNvSpPr>
-          <p:nvPr>
-            <p:ph type="body" sz="quarter" idx="23"/>
-          </p:nvPr>
-        </p:nvSpPr>
-        <p:spPr/>
-        <p:txBody>
-          <a:bodyPr/>
-          <a:lstStyle/>
-          <a:p>
-            <a:endParaRPr lang="en-GB"/>
-          </a:p>
-        </p:txBody>
-      </p:sp>
-      <p:sp>
-        <p:nvSpPr>
-          <p:cNvPr id="6" name="Text Placeholder 5" descr="Exclusion area"/>
-          <p:cNvSpPr>
-            <a:spLocks noGrp="1"/>
-          </p:cNvSpPr>
-          <p:nvPr>
-            <p:ph type="body" sz="quarter" idx="19"/>
-          </p:nvPr>
-        </p:nvSpPr>
-        <p:spPr/>
-        <p:txBody>
-          <a:bodyPr/>
-          <a:lstStyle/>
-          <a:p>
-            <a:endParaRPr lang="en-GB"/>
-          </a:p>
-        </p:txBody>
-      </p:sp>
-      <p:sp>
-        <p:nvSpPr>
-          <p:cNvPr id="9" name="Text Placeholder 8" descr="Contact details"/>
-          <p:cNvSpPr>
-            <a:spLocks noGrp="1"/>
-          </p:cNvSpPr>
-          <p:nvPr>
-            <p:ph type="body" sz="quarter" idx="25"/>
-          </p:nvPr>
-        </p:nvSpPr>
-        <p:spPr/>
-        <p:txBody>
-          <a:bodyPr/>
-          <a:lstStyle/>
-          <a:p>
-            <a:endParaRPr lang="en-GB"/>
-          </a:p>
-        </p:txBody>
-      </p:sp>
-      <p:sp>
-        <p:nvSpPr>
-          <p:cNvPr id="13" name="Text Placeholder 12" descr="Collaborator logos"/>
-          <p:cNvSpPr>
-            <a:spLocks noGrp="1"/>
-          </p:cNvSpPr>
-          <p:nvPr>
-            <p:ph type="body" sz="quarter" idx="26"/>
-          </p:nvPr>
-        </p:nvSpPr>
-        <p:spPr/>
-        <p:txBody>
-          <a:bodyPr/>
-          <a:lstStyle/>
-          <a:p>
-            <a:endParaRPr lang="en-GB"/>
-          </a:p>
-        </p:txBody>
-      </p:sp>
-    </p:spTree>
-    <p:extLst>
-      <p:ext uri="{BB962C8B-B14F-4D97-AF65-F5344CB8AC3E}">
-        <p14:creationId xmlns:p14="http://schemas.microsoft.com/office/powerpoint/2010/main" val="4095826928"/>
-      </p:ext>
-    </p:extLst>
-  </p:cSld>
-  <p:clrMapOvr>
-    <a:masterClrMapping/>
-  </p:clrMapOvr>
-</p:sld>
-</file>
-
-<file path=ppt/slides/slide8.xml><?xml version="1.0" encoding="utf-8"?>
-<p:sld xmlns:a="http://schemas.openxmlformats.org/drawingml/2006/main" xmlns:r="http://schemas.openxmlformats.org/officeDocument/2006/relationships" xmlns:p="http://schemas.openxmlformats.org/presentationml/2006/main">
-  <p:cSld>
-    <p:spTree>
-      <p:nvGrpSpPr>
-        <p:cNvPr id="1" name=""/>
-        <p:cNvGrpSpPr/>
-        <p:nvPr/>
-      </p:nvGrpSpPr>
-      <p:grpSpPr>
-        <a:xfrm>
-          <a:off x="0" y="0"/>
-          <a:ext cx="0" cy="0"/>
-          <a:chOff x="0" y="0"/>
-          <a:chExt cx="0" cy="0"/>
-        </a:xfrm>
-      </p:grpSpPr>
-      <p:sp>
-        <p:nvSpPr>
-          <p:cNvPr id="2" name="Title 1" descr="Poster title"/>
-          <p:cNvSpPr>
-            <a:spLocks noGrp="1"/>
-          </p:cNvSpPr>
-          <p:nvPr>
-            <p:ph type="title"/>
-          </p:nvPr>
-        </p:nvSpPr>
-        <p:spPr>
-          <a:xfrm>
-            <a:off x="1109663" y="1010019"/>
-            <a:ext cx="28086050" cy="967268"/>
-          </a:xfrm>
-          <a:prstGeom prst="rect">
-            <a:avLst/>
-          </a:prstGeom>
-        </p:spPr>
-        <p:txBody>
-          <a:bodyPr/>
-          <a:lstStyle/>
-          <a:p>
-            <a:endParaRPr lang="en-GB"/>
-          </a:p>
-        </p:txBody>
-      </p:sp>
-      <p:sp>
-        <p:nvSpPr>
-          <p:cNvPr id="3" name="Text Placeholder 2" descr="Authors"/>
-          <p:cNvSpPr>
-            <a:spLocks noGrp="1"/>
-          </p:cNvSpPr>
-          <p:nvPr>
-            <p:ph type="body" sz="quarter" idx="4294967295"/>
-          </p:nvPr>
-        </p:nvSpPr>
-        <p:spPr>
-          <a:xfrm>
-            <a:off x="1077913" y="2957513"/>
-            <a:ext cx="22983825" cy="933450"/>
-          </a:xfrm>
-          <a:prstGeom prst="rect">
-            <a:avLst/>
-          </a:prstGeom>
-        </p:spPr>
-        <p:txBody>
-          <a:bodyPr/>
-          <a:lstStyle/>
-          <a:p>
-            <a:endParaRPr lang="en-GB"/>
-          </a:p>
-        </p:txBody>
-      </p:sp>
-      <p:sp>
-        <p:nvSpPr>
-          <p:cNvPr id="4" name="Text Placeholder 3" descr="Department or Institution"/>
-          <p:cNvSpPr>
-            <a:spLocks noGrp="1"/>
-          </p:cNvSpPr>
-          <p:nvPr>
-            <p:ph type="body" sz="quarter" idx="4294967295"/>
-          </p:nvPr>
-        </p:nvSpPr>
-        <p:spPr>
-          <a:xfrm>
-            <a:off x="1077913" y="4508500"/>
-            <a:ext cx="22983825" cy="509588"/>
-          </a:xfrm>
-          <a:prstGeom prst="rect">
-            <a:avLst/>
-          </a:prstGeom>
-        </p:spPr>
-        <p:txBody>
-          <a:bodyPr/>
-          <a:lstStyle/>
-          <a:p>
-            <a:endParaRPr lang="en-GB" dirty="0"/>
-          </a:p>
-        </p:txBody>
-      </p:sp>
-      <p:sp>
-        <p:nvSpPr>
-          <p:cNvPr id="5" name="Text Placeholder 4" descr="Exclusion area"/>
-          <p:cNvSpPr>
-            <a:spLocks noGrp="1"/>
-          </p:cNvSpPr>
-          <p:nvPr>
-            <p:ph type="body" sz="quarter" idx="19"/>
-          </p:nvPr>
-        </p:nvSpPr>
-        <p:spPr/>
-        <p:txBody>
-          <a:bodyPr/>
-          <a:lstStyle/>
-          <a:p>
-            <a:endParaRPr lang="en-GB"/>
-          </a:p>
-        </p:txBody>
-      </p:sp>
-      <p:sp>
-        <p:nvSpPr>
-          <p:cNvPr id="6" name="Content Placeholder 5" descr="Column 1"/>
-          <p:cNvSpPr>
-            <a:spLocks noGrp="1"/>
-          </p:cNvSpPr>
-          <p:nvPr>
-            <p:ph sz="quarter" idx="10"/>
-          </p:nvPr>
-        </p:nvSpPr>
-        <p:spPr/>
-        <p:txBody>
-          <a:bodyPr/>
-          <a:lstStyle/>
-          <a:p>
-            <a:endParaRPr lang="en-GB"/>
-          </a:p>
-        </p:txBody>
-      </p:sp>
-      <p:sp>
-        <p:nvSpPr>
-          <p:cNvPr id="7" name="Content Placeholder 6" descr="Column 2"/>
-          <p:cNvSpPr>
-            <a:spLocks noGrp="1"/>
-          </p:cNvSpPr>
-          <p:nvPr>
-            <p:ph sz="quarter" idx="11"/>
-          </p:nvPr>
-        </p:nvSpPr>
-        <p:spPr/>
-        <p:txBody>
-          <a:bodyPr/>
-          <a:lstStyle/>
-          <a:p>
-            <a:endParaRPr lang="en-GB"/>
-          </a:p>
-        </p:txBody>
-      </p:sp>
-      <p:sp>
-        <p:nvSpPr>
-          <p:cNvPr id="8" name="Content Placeholder 7" descr="Column 3"/>
-          <p:cNvSpPr>
-            <a:spLocks noGrp="1"/>
-          </p:cNvSpPr>
-          <p:nvPr>
-            <p:ph sz="quarter" idx="12"/>
-          </p:nvPr>
-        </p:nvSpPr>
-        <p:spPr/>
-        <p:txBody>
-          <a:bodyPr/>
-          <a:lstStyle/>
-          <a:p>
-            <a:endParaRPr lang="en-GB"/>
-          </a:p>
-        </p:txBody>
-      </p:sp>
-      <p:sp>
-        <p:nvSpPr>
-          <p:cNvPr id="9" name="Text Placeholder 8" descr="Contact details"/>
-          <p:cNvSpPr>
-            <a:spLocks noGrp="1"/>
-          </p:cNvSpPr>
-          <p:nvPr>
-            <p:ph type="body" sz="quarter" idx="22"/>
-          </p:nvPr>
-        </p:nvSpPr>
-        <p:spPr/>
-        <p:txBody>
-          <a:bodyPr/>
-          <a:lstStyle/>
-          <a:p>
-            <a:endParaRPr lang="en-GB"/>
-          </a:p>
-        </p:txBody>
-      </p:sp>
-      <p:sp>
-        <p:nvSpPr>
-          <p:cNvPr id="10" name="Text Placeholder 9" descr="Collaborator logos"/>
-          <p:cNvSpPr>
-            <a:spLocks noGrp="1"/>
-          </p:cNvSpPr>
-          <p:nvPr>
-            <p:ph type="body" sz="quarter" idx="23"/>
-          </p:nvPr>
-        </p:nvSpPr>
-        <p:spPr/>
-        <p:txBody>
-          <a:bodyPr/>
-          <a:lstStyle/>
-          <a:p>
-            <a:endParaRPr lang="en-GB"/>
-          </a:p>
-        </p:txBody>
-      </p:sp>
-    </p:spTree>
-    <p:extLst>
-      <p:ext uri="{BB962C8B-B14F-4D97-AF65-F5344CB8AC3E}">
-        <p14:creationId xmlns:p14="http://schemas.microsoft.com/office/powerpoint/2010/main" val="2059479087"/>
-      </p:ext>
-    </p:extLst>
-  </p:cSld>
-  <p:clrMapOvr>
-    <a:masterClrMapping/>
-  </p:clrMapOvr>
-</p:sld>
-</file>
-
-<file path=ppt/slides/slide9.xml><?xml version="1.0" encoding="utf-8"?>
-<p:sld xmlns:a="http://schemas.openxmlformats.org/drawingml/2006/main" xmlns:r="http://schemas.openxmlformats.org/officeDocument/2006/relationships" xmlns:p="http://schemas.openxmlformats.org/presentationml/2006/main">
-  <p:cSld>
-    <p:spTree>
-      <p:nvGrpSpPr>
-        <p:cNvPr id="1" name=""/>
-        <p:cNvGrpSpPr/>
-        <p:nvPr/>
-      </p:nvGrpSpPr>
-      <p:grpSpPr>
-        <a:xfrm>
-          <a:off x="0" y="0"/>
-          <a:ext cx="0" cy="0"/>
-          <a:chOff x="0" y="0"/>
-          <a:chExt cx="0" cy="0"/>
-        </a:xfrm>
-      </p:grpSpPr>
-    </p:spTree>
-    <p:extLst>
-      <p:ext uri="{BB962C8B-B14F-4D97-AF65-F5344CB8AC3E}">
-        <p14:creationId xmlns:p14="http://schemas.microsoft.com/office/powerpoint/2010/main" val="1717185442"/>
       </p:ext>
     </p:extLst>
   </p:cSld>
